--- a/Moose Training/Presentations/DCS World - MOOSE - Development - Part 1 - Tools and Installation.pptx
+++ b/Moose Training/Presentations/DCS World - MOOSE - Development - Part 1 - Tools and Installation.pptx
@@ -5,13 +5,17 @@
     <p:sldMasterId id="2147483648" r:id="rId1"/>
   </p:sldMasterIdLst>
   <p:sldIdLst>
-    <p:sldId id="256" r:id="rId2"/>
-    <p:sldId id="258" r:id="rId3"/>
-    <p:sldId id="259" r:id="rId4"/>
-    <p:sldId id="257" r:id="rId5"/>
-    <p:sldId id="260" r:id="rId6"/>
-    <p:sldId id="261" r:id="rId7"/>
-    <p:sldId id="262" r:id="rId8"/>
+    <p:sldId id="286" r:id="rId2"/>
+    <p:sldId id="294" r:id="rId3"/>
+    <p:sldId id="287" r:id="rId4"/>
+    <p:sldId id="288" r:id="rId5"/>
+    <p:sldId id="289" r:id="rId6"/>
+    <p:sldId id="290" r:id="rId7"/>
+    <p:sldId id="291" r:id="rId8"/>
+    <p:sldId id="292" r:id="rId9"/>
+    <p:sldId id="293" r:id="rId10"/>
+    <p:sldId id="282" r:id="rId11"/>
+    <p:sldId id="285" r:id="rId12"/>
   </p:sldIdLst>
   <p:sldSz cx="12192000" cy="6858000"/>
   <p:notesSz cx="6858000" cy="9144000"/>
@@ -137,25 +141,41 @@
       </p:grpSpPr>
       <p:pic>
         <p:nvPicPr>
-          <p:cNvPr id="10" name="Afbeelding 9"/>
+          <p:cNvPr id="8" name="Picture 2" descr="http://www.goodwp.com/images/201103/goodwp.com_16462.jpg"/>
           <p:cNvPicPr>
-            <a:picLocks noChangeAspect="1"/>
+            <a:picLocks noChangeAspect="1" noChangeArrowheads="1"/>
           </p:cNvPicPr>
           <p:nvPr userDrawn="1"/>
         </p:nvPicPr>
         <p:blipFill rotWithShape="1">
-          <a:blip r:embed="rId2"/>
-          <a:srcRect b="21661"/>
+          <a:blip r:embed="rId2">
+            <a:extLst>
+              <a:ext uri="{28A0092B-C50C-407E-A947-70E740481C1C}">
+                <a14:useLocalDpi xmlns:a14="http://schemas.microsoft.com/office/drawing/2010/main" val="0"/>
+              </a:ext>
+            </a:extLst>
+          </a:blip>
+          <a:srcRect t="51885" r="193" b="8878"/>
           <a:stretch/>
         </p:blipFill>
-        <p:spPr>
+        <p:spPr bwMode="auto">
           <a:xfrm>
-            <a:off x="3706" y="2802250"/>
-            <a:ext cx="12195669" cy="5567309"/>
+            <a:off x="0" y="3879004"/>
+            <a:ext cx="12192000" cy="2978995"/>
           </a:xfrm>
           <a:prstGeom prst="rect">
             <a:avLst/>
           </a:prstGeom>
+          <a:noFill/>
+          <a:extLst>
+            <a:ext uri="{909E8E84-426E-40DD-AFC4-6F175D3DCCD1}">
+              <a14:hiddenFill xmlns:a14="http://schemas.microsoft.com/office/drawing/2010/main">
+                <a:solidFill>
+                  <a:srgbClr val="FFFFFF"/>
+                </a:solidFill>
+              </a14:hiddenFill>
+            </a:ext>
+          </a:extLst>
         </p:spPr>
       </p:pic>
       <p:sp>
@@ -317,7 +337,7 @@
           <a:p>
             <a:fld id="{96DFF08F-DC6B-4601-B491-B0F83F6DD2DA}" type="datetimeFigureOut">
               <a:rPr lang="en-US" dirty="0"/>
-              <a:t>4/14/2016</a:t>
+              <a:t>6/9/2016</a:t>
             </a:fld>
             <a:endParaRPr lang="en-US" dirty="0"/>
           </a:p>
@@ -482,7 +502,7 @@
           <a:p>
             <a:fld id="{96DFF08F-DC6B-4601-B491-B0F83F6DD2DA}" type="datetimeFigureOut">
               <a:rPr lang="en-US" dirty="0"/>
-              <a:t>4/14/2016</a:t>
+              <a:t>6/9/2016</a:t>
             </a:fld>
             <a:endParaRPr lang="en-US" dirty="0"/>
           </a:p>
@@ -700,7 +720,7 @@
           <a:p>
             <a:fld id="{96DFF08F-DC6B-4601-B491-B0F83F6DD2DA}" type="datetimeFigureOut">
               <a:rPr lang="en-US" dirty="0"/>
-              <a:t>4/14/2016</a:t>
+              <a:t>6/9/2016</a:t>
             </a:fld>
             <a:endParaRPr lang="en-US" dirty="0"/>
           </a:p>
@@ -785,25 +805,41 @@
       </p:grpSpPr>
       <p:pic>
         <p:nvPicPr>
-          <p:cNvPr id="7" name="Afbeelding 6"/>
+          <p:cNvPr id="9" name="Picture 2" descr="http://www.goodwp.com/images/201103/goodwp.com_16462.jpg"/>
           <p:cNvPicPr>
-            <a:picLocks noChangeAspect="1"/>
+            <a:picLocks noChangeAspect="1" noChangeArrowheads="1"/>
           </p:cNvPicPr>
           <p:nvPr userDrawn="1"/>
         </p:nvPicPr>
         <p:blipFill rotWithShape="1">
-          <a:blip r:embed="rId2"/>
-          <a:srcRect t="27396" b="47658"/>
+          <a:blip r:embed="rId2">
+            <a:extLst>
+              <a:ext uri="{28A0092B-C50C-407E-A947-70E740481C1C}">
+                <a14:useLocalDpi xmlns:a14="http://schemas.microsoft.com/office/drawing/2010/main" val="0"/>
+              </a:ext>
+            </a:extLst>
+          </a:blip>
+          <a:srcRect t="51885" r="193" b="25031"/>
           <a:stretch/>
         </p:blipFill>
-        <p:spPr>
+        <p:spPr bwMode="auto">
           <a:xfrm>
-            <a:off x="1" y="0"/>
-            <a:ext cx="12192000" cy="1806746"/>
+            <a:off x="0" y="1"/>
+            <a:ext cx="12192000" cy="1752600"/>
           </a:xfrm>
           <a:prstGeom prst="rect">
             <a:avLst/>
           </a:prstGeom>
+          <a:noFill/>
+          <a:extLst>
+            <a:ext uri="{909E8E84-426E-40DD-AFC4-6F175D3DCCD1}">
+              <a14:hiddenFill xmlns:a14="http://schemas.microsoft.com/office/drawing/2010/main">
+                <a:solidFill>
+                  <a:srgbClr val="FFFFFF"/>
+                </a:solidFill>
+              </a14:hiddenFill>
+            </a:ext>
+          </a:extLst>
         </p:spPr>
       </p:pic>
       <p:sp>
@@ -913,7 +949,7 @@
           <a:p>
             <a:fld id="{96DFF08F-DC6B-4601-B491-B0F83F6DD2DA}" type="datetimeFigureOut">
               <a:rPr lang="en-US" dirty="0"/>
-              <a:t>4/14/2016</a:t>
+              <a:t>6/9/2016</a:t>
             </a:fld>
             <a:endParaRPr lang="en-US" dirty="0"/>
           </a:p>
@@ -1058,6 +1094,13 @@
                 <a:solidFill>
                   <a:schemeClr val="bg1"/>
                 </a:solidFill>
+                <a:effectLst>
+                  <a:outerShdw blurRad="38100" dist="38100" dir="2700000" algn="tl">
+                    <a:srgbClr val="000000">
+                      <a:alpha val="43137"/>
+                    </a:srgbClr>
+                  </a:outerShdw>
+                </a:effectLst>
               </a:defRPr>
             </a:lvl1pPr>
           </a:lstStyle>
@@ -1189,97 +1232,45 @@
           </a:p>
         </p:txBody>
       </p:sp>
-      <p:sp>
-        <p:nvSpPr>
-          <p:cNvPr id="4" name="Date Placeholder 3"/>
-          <p:cNvSpPr>
-            <a:spLocks noGrp="1"/>
-          </p:cNvSpPr>
-          <p:nvPr>
-            <p:ph type="dt" sz="half" idx="10"/>
-          </p:nvPr>
-        </p:nvSpPr>
-        <p:spPr/>
-        <p:txBody>
-          <a:bodyPr/>
-          <a:lstStyle>
-            <a:lvl1pPr>
-              <a:defRPr>
+      <p:pic>
+        <p:nvPicPr>
+          <p:cNvPr id="8" name="Picture 2" descr="http://www.goodwp.com/images/201103/goodwp.com_16462.jpg"/>
+          <p:cNvPicPr>
+            <a:picLocks noChangeAspect="1" noChangeArrowheads="1"/>
+          </p:cNvPicPr>
+          <p:nvPr userDrawn="1"/>
+        </p:nvPicPr>
+        <p:blipFill rotWithShape="1">
+          <a:blip r:embed="rId2">
+            <a:extLst>
+              <a:ext uri="{28A0092B-C50C-407E-A947-70E740481C1C}">
+                <a14:useLocalDpi xmlns:a14="http://schemas.microsoft.com/office/drawing/2010/main" val="0"/>
+              </a:ext>
+            </a:extLst>
+          </a:blip>
+          <a:srcRect t="51886" r="193" b="22019"/>
+          <a:stretch/>
+        </p:blipFill>
+        <p:spPr bwMode="auto">
+          <a:xfrm>
+            <a:off x="0" y="0"/>
+            <a:ext cx="12192000" cy="1981199"/>
+          </a:xfrm>
+          <a:prstGeom prst="rect">
+            <a:avLst/>
+          </a:prstGeom>
+          <a:noFill/>
+          <a:extLst>
+            <a:ext uri="{909E8E84-426E-40DD-AFC4-6F175D3DCCD1}">
+              <a14:hiddenFill xmlns:a14="http://schemas.microsoft.com/office/drawing/2010/main">
                 <a:solidFill>
-                  <a:schemeClr val="tx2"/>
+                  <a:srgbClr val="FFFFFF"/>
                 </a:solidFill>
-              </a:defRPr>
-            </a:lvl1pPr>
-          </a:lstStyle>
-          <a:p>
-            <a:fld id="{96DFF08F-DC6B-4601-B491-B0F83F6DD2DA}" type="datetimeFigureOut">
-              <a:rPr lang="en-US" dirty="0"/>
-              <a:pPr/>
-              <a:t>4/14/2016</a:t>
-            </a:fld>
-            <a:endParaRPr lang="en-US" dirty="0"/>
-          </a:p>
-        </p:txBody>
-      </p:sp>
-      <p:sp>
-        <p:nvSpPr>
-          <p:cNvPr id="5" name="Footer Placeholder 4"/>
-          <p:cNvSpPr>
-            <a:spLocks noGrp="1"/>
-          </p:cNvSpPr>
-          <p:nvPr>
-            <p:ph type="ftr" sz="quarter" idx="11"/>
-          </p:nvPr>
-        </p:nvSpPr>
-        <p:spPr/>
-        <p:txBody>
-          <a:bodyPr/>
-          <a:lstStyle>
-            <a:lvl1pPr>
-              <a:defRPr>
-                <a:solidFill>
-                  <a:schemeClr val="tx2"/>
-                </a:solidFill>
-              </a:defRPr>
-            </a:lvl1pPr>
-          </a:lstStyle>
-          <a:p>
-            <a:endParaRPr lang="en-US" dirty="0"/>
-          </a:p>
-        </p:txBody>
-      </p:sp>
-      <p:sp>
-        <p:nvSpPr>
-          <p:cNvPr id="6" name="Slide Number Placeholder 5"/>
-          <p:cNvSpPr>
-            <a:spLocks noGrp="1"/>
-          </p:cNvSpPr>
-          <p:nvPr>
-            <p:ph type="sldNum" sz="quarter" idx="12"/>
-          </p:nvPr>
-        </p:nvSpPr>
-        <p:spPr/>
-        <p:txBody>
-          <a:bodyPr/>
-          <a:lstStyle>
-            <a:lvl1pPr>
-              <a:defRPr>
-                <a:solidFill>
-                  <a:schemeClr val="tx2"/>
-                </a:solidFill>
-              </a:defRPr>
-            </a:lvl1pPr>
-          </a:lstStyle>
-          <a:p>
-            <a:fld id="{4FAB73BC-B049-4115-A692-8D63A059BFB8}" type="slidenum">
-              <a:rPr lang="en-US" dirty="0"/>
-              <a:pPr/>
-              <a:t>‹nr.›</a:t>
-            </a:fld>
-            <a:endParaRPr lang="en-US" dirty="0"/>
-          </a:p>
-        </p:txBody>
-      </p:sp>
+              </a14:hiddenFill>
+            </a:ext>
+          </a:extLst>
+        </p:spPr>
+      </p:pic>
     </p:spTree>
   </p:cSld>
   <p:clrMapOvr>
@@ -1305,6 +1296,45 @@
           <a:chExt cx="0" cy="0"/>
         </a:xfrm>
       </p:grpSpPr>
+      <p:pic>
+        <p:nvPicPr>
+          <p:cNvPr id="9" name="Picture 2" descr="http://www.goodwp.com/images/201103/goodwp.com_16462.jpg"/>
+          <p:cNvPicPr>
+            <a:picLocks noChangeAspect="1" noChangeArrowheads="1"/>
+          </p:cNvPicPr>
+          <p:nvPr userDrawn="1"/>
+        </p:nvPicPr>
+        <p:blipFill rotWithShape="1">
+          <a:blip r:embed="rId2">
+            <a:extLst>
+              <a:ext uri="{28A0092B-C50C-407E-A947-70E740481C1C}">
+                <a14:useLocalDpi xmlns:a14="http://schemas.microsoft.com/office/drawing/2010/main" val="0"/>
+              </a:ext>
+            </a:extLst>
+          </a:blip>
+          <a:srcRect t="51885" r="193" b="25031"/>
+          <a:stretch/>
+        </p:blipFill>
+        <p:spPr bwMode="auto">
+          <a:xfrm>
+            <a:off x="0" y="1"/>
+            <a:ext cx="12192000" cy="1752600"/>
+          </a:xfrm>
+          <a:prstGeom prst="rect">
+            <a:avLst/>
+          </a:prstGeom>
+          <a:noFill/>
+          <a:extLst>
+            <a:ext uri="{909E8E84-426E-40DD-AFC4-6F175D3DCCD1}">
+              <a14:hiddenFill xmlns:a14="http://schemas.microsoft.com/office/drawing/2010/main">
+                <a:solidFill>
+                  <a:srgbClr val="FFFFFF"/>
+                </a:solidFill>
+              </a14:hiddenFill>
+            </a:ext>
+          </a:extLst>
+        </p:spPr>
+      </p:pic>
       <p:sp>
         <p:nvSpPr>
           <p:cNvPr id="8" name="Title 7"/>
@@ -1515,7 +1545,7 @@
           <a:p>
             <a:fld id="{96DFF08F-DC6B-4601-B491-B0F83F6DD2DA}" type="datetimeFigureOut">
               <a:rPr lang="en-US" dirty="0"/>
-              <a:t>4/14/2016</a:t>
+              <a:t>6/9/2016</a:t>
             </a:fld>
             <a:endParaRPr lang="en-US" dirty="0"/>
           </a:p>
@@ -1588,6 +1618,45 @@
           <a:chExt cx="0" cy="0"/>
         </a:xfrm>
       </p:grpSpPr>
+      <p:pic>
+        <p:nvPicPr>
+          <p:cNvPr id="11" name="Picture 2" descr="http://www.goodwp.com/images/201103/goodwp.com_16462.jpg"/>
+          <p:cNvPicPr>
+            <a:picLocks noChangeAspect="1" noChangeArrowheads="1"/>
+          </p:cNvPicPr>
+          <p:nvPr userDrawn="1"/>
+        </p:nvPicPr>
+        <p:blipFill rotWithShape="1">
+          <a:blip r:embed="rId2">
+            <a:extLst>
+              <a:ext uri="{28A0092B-C50C-407E-A947-70E740481C1C}">
+                <a14:useLocalDpi xmlns:a14="http://schemas.microsoft.com/office/drawing/2010/main" val="0"/>
+              </a:ext>
+            </a:extLst>
+          </a:blip>
+          <a:srcRect t="51885" r="193" b="25031"/>
+          <a:stretch/>
+        </p:blipFill>
+        <p:spPr bwMode="auto">
+          <a:xfrm>
+            <a:off x="0" y="1"/>
+            <a:ext cx="12192000" cy="1752600"/>
+          </a:xfrm>
+          <a:prstGeom prst="rect">
+            <a:avLst/>
+          </a:prstGeom>
+          <a:noFill/>
+          <a:extLst>
+            <a:ext uri="{909E8E84-426E-40DD-AFC4-6F175D3DCCD1}">
+              <a14:hiddenFill xmlns:a14="http://schemas.microsoft.com/office/drawing/2010/main">
+                <a:solidFill>
+                  <a:srgbClr val="FFFFFF"/>
+                </a:solidFill>
+              </a14:hiddenFill>
+            </a:ext>
+          </a:extLst>
+        </p:spPr>
+      </p:pic>
       <p:sp>
         <p:nvSpPr>
           <p:cNvPr id="10" name="Title 9"/>
@@ -1932,7 +2001,7 @@
           <a:p>
             <a:fld id="{96DFF08F-DC6B-4601-B491-B0F83F6DD2DA}" type="datetimeFigureOut">
               <a:rPr lang="en-US" dirty="0"/>
-              <a:t>4/14/2016</a:t>
+              <a:t>6/9/2016</a:t>
             </a:fld>
             <a:endParaRPr lang="en-US" dirty="0"/>
           </a:p>
@@ -2005,6 +2074,45 @@
           <a:chExt cx="0" cy="0"/>
         </a:xfrm>
       </p:grpSpPr>
+      <p:pic>
+        <p:nvPicPr>
+          <p:cNvPr id="5" name="Picture 2" descr="http://www.goodwp.com/images/201103/goodwp.com_16462.jpg"/>
+          <p:cNvPicPr>
+            <a:picLocks noChangeAspect="1" noChangeArrowheads="1"/>
+          </p:cNvPicPr>
+          <p:nvPr userDrawn="1"/>
+        </p:nvPicPr>
+        <p:blipFill rotWithShape="1">
+          <a:blip r:embed="rId2">
+            <a:extLst>
+              <a:ext uri="{28A0092B-C50C-407E-A947-70E740481C1C}">
+                <a14:useLocalDpi xmlns:a14="http://schemas.microsoft.com/office/drawing/2010/main" val="0"/>
+              </a:ext>
+            </a:extLst>
+          </a:blip>
+          <a:srcRect t="51885" r="193" b="25031"/>
+          <a:stretch/>
+        </p:blipFill>
+        <p:spPr bwMode="auto">
+          <a:xfrm>
+            <a:off x="0" y="1"/>
+            <a:ext cx="12192000" cy="1752600"/>
+          </a:xfrm>
+          <a:prstGeom prst="rect">
+            <a:avLst/>
+          </a:prstGeom>
+          <a:noFill/>
+          <a:extLst>
+            <a:ext uri="{909E8E84-426E-40DD-AFC4-6F175D3DCCD1}">
+              <a14:hiddenFill xmlns:a14="http://schemas.microsoft.com/office/drawing/2010/main">
+                <a:solidFill>
+                  <a:srgbClr val="FFFFFF"/>
+                </a:solidFill>
+              </a14:hiddenFill>
+            </a:ext>
+          </a:extLst>
+        </p:spPr>
+      </p:pic>
       <p:sp>
         <p:nvSpPr>
           <p:cNvPr id="2" name="Title 1"/>
@@ -2017,78 +2125,31 @@
         </p:nvSpPr>
         <p:spPr/>
         <p:txBody>
-          <a:bodyPr/>
-          <a:lstStyle/>
-          <a:p>
-            <a:r>
-              <a:rPr lang="nl-NL"/>
+          <a:bodyPr vert="horz" lIns="91440" tIns="45720" rIns="91440" bIns="45720" rtlCol="0" anchor="ctr">
+            <a:normAutofit/>
+          </a:bodyPr>
+          <a:lstStyle>
+            <a:lvl1pPr>
+              <a:defRPr lang="en-US" b="1" dirty="0">
+                <a:solidFill>
+                  <a:schemeClr val="tx1"/>
+                </a:solidFill>
+                <a:effectLst>
+                  <a:outerShdw blurRad="38100" dist="38100" dir="2700000" algn="tl">
+                    <a:srgbClr val="000000">
+                      <a:alpha val="43137"/>
+                    </a:srgbClr>
+                  </a:outerShdw>
+                </a:effectLst>
+              </a:defRPr>
+            </a:lvl1pPr>
+          </a:lstStyle>
+          <a:p>
+            <a:pPr lvl="0"/>
+            <a:r>
+              <a:rPr lang="nl-NL" dirty="0"/>
               <a:t>Klik om de stijl te bewerken</a:t>
             </a:r>
-            <a:endParaRPr lang="en-US" dirty="0"/>
-          </a:p>
-        </p:txBody>
-      </p:sp>
-      <p:sp>
-        <p:nvSpPr>
-          <p:cNvPr id="3" name="Date Placeholder 2"/>
-          <p:cNvSpPr>
-            <a:spLocks noGrp="1"/>
-          </p:cNvSpPr>
-          <p:nvPr>
-            <p:ph type="dt" sz="half" idx="10"/>
-          </p:nvPr>
-        </p:nvSpPr>
-        <p:spPr/>
-        <p:txBody>
-          <a:bodyPr/>
-          <a:lstStyle/>
-          <a:p>
-            <a:fld id="{96DFF08F-DC6B-4601-B491-B0F83F6DD2DA}" type="datetimeFigureOut">
-              <a:rPr lang="en-US" dirty="0"/>
-              <a:t>4/14/2016</a:t>
-            </a:fld>
-            <a:endParaRPr lang="en-US" dirty="0"/>
-          </a:p>
-        </p:txBody>
-      </p:sp>
-      <p:sp>
-        <p:nvSpPr>
-          <p:cNvPr id="4" name="Footer Placeholder 3"/>
-          <p:cNvSpPr>
-            <a:spLocks noGrp="1"/>
-          </p:cNvSpPr>
-          <p:nvPr>
-            <p:ph type="ftr" sz="quarter" idx="11"/>
-          </p:nvPr>
-        </p:nvSpPr>
-        <p:spPr/>
-        <p:txBody>
-          <a:bodyPr/>
-          <a:lstStyle/>
-          <a:p>
-            <a:endParaRPr lang="en-US" dirty="0"/>
-          </a:p>
-        </p:txBody>
-      </p:sp>
-      <p:sp>
-        <p:nvSpPr>
-          <p:cNvPr id="5" name="Slide Number Placeholder 4"/>
-          <p:cNvSpPr>
-            <a:spLocks noGrp="1"/>
-          </p:cNvSpPr>
-          <p:nvPr>
-            <p:ph type="sldNum" sz="quarter" idx="12"/>
-          </p:nvPr>
-        </p:nvSpPr>
-        <p:spPr/>
-        <p:txBody>
-          <a:bodyPr/>
-          <a:lstStyle/>
-          <a:p>
-            <a:fld id="{4FAB73BC-B049-4115-A692-8D63A059BFB8}" type="slidenum">
-              <a:rPr lang="en-US" dirty="0"/>
-              <a:t>‹nr.›</a:t>
-            </a:fld>
             <a:endParaRPr lang="en-US" dirty="0"/>
           </a:p>
         </p:txBody>
@@ -2135,7 +2196,7 @@
           <a:p>
             <a:fld id="{96DFF08F-DC6B-4601-B491-B0F83F6DD2DA}" type="datetimeFigureOut">
               <a:rPr lang="en-US" dirty="0"/>
-              <a:t>4/14/2016</a:t>
+              <a:t>6/9/2016</a:t>
             </a:fld>
             <a:endParaRPr lang="en-US" dirty="0"/>
           </a:p>
@@ -2403,7 +2464,7 @@
           <a:p>
             <a:fld id="{96DFF08F-DC6B-4601-B491-B0F83F6DD2DA}" type="datetimeFigureOut">
               <a:rPr lang="en-US" dirty="0"/>
-              <a:t>4/14/2016</a:t>
+              <a:t>6/9/2016</a:t>
             </a:fld>
             <a:endParaRPr lang="en-US" dirty="0"/>
           </a:p>
@@ -2663,7 +2724,7 @@
           <a:p>
             <a:fld id="{96DFF08F-DC6B-4601-B491-B0F83F6DD2DA}" type="datetimeFigureOut">
               <a:rPr lang="en-US" dirty="0"/>
-              <a:t>4/14/2016</a:t>
+              <a:t>6/9/2016</a:t>
             </a:fld>
             <a:endParaRPr lang="en-US" dirty="0"/>
           </a:p>
@@ -2908,7 +2969,7 @@
             <a:fld id="{96DFF08F-DC6B-4601-B491-B0F83F6DD2DA}" type="datetimeFigureOut">
               <a:rPr lang="en-US" dirty="0"/>
               <a:pPr/>
-              <a:t>4/14/2016</a:t>
+              <a:t>6/9/2016</a:t>
             </a:fld>
             <a:endParaRPr lang="en-US" dirty="0"/>
           </a:p>
@@ -3396,22 +3457,26 @@
               <a:rPr lang="nl-BE" dirty="0"/>
             </a:br>
             <a:r>
-              <a:rPr lang="nl-BE" dirty="0"/>
-              <a:t>Development </a:t>
-            </a:r>
-            <a:r>
-              <a:rPr lang="nl-BE" dirty="0" err="1"/>
-              <a:t>with</a:t>
-            </a:r>
-            <a:r>
-              <a:rPr lang="nl-BE" dirty="0"/>
-              <a:t> </a:t>
-            </a:r>
-            <a:r>
-              <a:rPr lang="nl-BE" dirty="0" err="1"/>
+              <a:rPr lang="nl-BE" b="1" dirty="0"/>
+              <a:t>Development</a:t>
+            </a:r>
+            <a:r>
+              <a:rPr lang="nl-BE" dirty="0"/>
+              <a:t> </a:t>
+            </a:r>
+            <a:r>
+              <a:rPr lang="nl-BE" dirty="0" err="1"/>
+              <a:t>using</a:t>
+            </a:r>
+            <a:r>
+              <a:rPr lang="nl-BE" dirty="0"/>
+              <a:t> </a:t>
+            </a:r>
+            <a:r>
+              <a:rPr lang="nl-BE" b="1" dirty="0" err="1"/>
               <a:t>moose</a:t>
             </a:r>
-            <a:endParaRPr lang="nl-BE" dirty="0"/>
+            <a:endParaRPr lang="nl-BE" b="1" dirty="0"/>
           </a:p>
         </p:txBody>
       </p:sp>
@@ -3437,7 +3502,988 @@
     </p:spTree>
     <p:extLst>
       <p:ext uri="{BB962C8B-B14F-4D97-AF65-F5344CB8AC3E}">
-        <p14:creationId xmlns:p14="http://schemas.microsoft.com/office/powerpoint/2010/main" val="956726472"/>
+        <p14:creationId xmlns:p14="http://schemas.microsoft.com/office/powerpoint/2010/main" val="2813373252"/>
+      </p:ext>
+    </p:extLst>
+  </p:cSld>
+  <p:clrMapOvr>
+    <a:masterClrMapping/>
+  </p:clrMapOvr>
+</p:sld>
+</file>
+
+<file path=ppt/slides/slide10.xml><?xml version="1.0" encoding="utf-8"?>
+<p:sld xmlns:a="http://schemas.openxmlformats.org/drawingml/2006/main" xmlns:r="http://schemas.openxmlformats.org/officeDocument/2006/relationships" xmlns:p="http://schemas.openxmlformats.org/presentationml/2006/main">
+  <p:cSld>
+    <p:spTree>
+      <p:nvGrpSpPr>
+        <p:cNvPr id="1" name=""/>
+        <p:cNvGrpSpPr/>
+        <p:nvPr/>
+      </p:nvGrpSpPr>
+      <p:grpSpPr>
+        <a:xfrm>
+          <a:off x="0" y="0"/>
+          <a:ext cx="0" cy="0"/>
+          <a:chOff x="0" y="0"/>
+          <a:chExt cx="0" cy="0"/>
+        </a:xfrm>
+      </p:grpSpPr>
+      <p:sp>
+        <p:nvSpPr>
+          <p:cNvPr id="4" name="Titel 3"/>
+          <p:cNvSpPr>
+            <a:spLocks noGrp="1"/>
+          </p:cNvSpPr>
+          <p:nvPr>
+            <p:ph type="title"/>
+          </p:nvPr>
+        </p:nvSpPr>
+        <p:spPr/>
+        <p:txBody>
+          <a:bodyPr/>
+          <a:lstStyle/>
+          <a:p>
+            <a:r>
+              <a:rPr lang="nl-BE" dirty="0"/>
+              <a:t>consult </a:t>
+            </a:r>
+            <a:r>
+              <a:rPr lang="nl-BE" dirty="0" err="1"/>
+              <a:t>the</a:t>
+            </a:r>
+            <a:r>
+              <a:rPr lang="nl-BE" dirty="0"/>
+              <a:t> online </a:t>
+            </a:r>
+            <a:r>
+              <a:rPr lang="nl-BE" dirty="0" err="1"/>
+              <a:t>documentation</a:t>
+            </a:r>
+            <a:endParaRPr lang="nl-BE" dirty="0"/>
+          </a:p>
+        </p:txBody>
+      </p:sp>
+      <p:sp>
+        <p:nvSpPr>
+          <p:cNvPr id="5" name="Tijdelijke aanduiding voor inhoud 4"/>
+          <p:cNvSpPr>
+            <a:spLocks noGrp="1"/>
+          </p:cNvSpPr>
+          <p:nvPr>
+            <p:ph idx="1"/>
+          </p:nvPr>
+        </p:nvSpPr>
+        <p:spPr>
+          <a:xfrm>
+            <a:off x="1202919" y="3519001"/>
+            <a:ext cx="9784080" cy="2698919"/>
+          </a:xfrm>
+        </p:spPr>
+        <p:txBody>
+          <a:bodyPr>
+            <a:normAutofit lnSpcReduction="10000"/>
+          </a:bodyPr>
+          <a:lstStyle/>
+          <a:p>
+            <a:r>
+              <a:rPr lang="nl-BE" dirty="0"/>
+              <a:t>The </a:t>
+            </a:r>
+            <a:r>
+              <a:rPr lang="nl-BE" dirty="0" err="1"/>
+              <a:t>documentation</a:t>
+            </a:r>
+            <a:r>
+              <a:rPr lang="nl-BE" dirty="0"/>
+              <a:t> </a:t>
+            </a:r>
+            <a:r>
+              <a:rPr lang="nl-BE" dirty="0" err="1"/>
+              <a:t>explains</a:t>
+            </a:r>
+            <a:r>
+              <a:rPr lang="nl-BE" dirty="0"/>
+              <a:t>:</a:t>
+            </a:r>
+          </a:p>
+          <a:p>
+            <a:pPr lvl="1"/>
+            <a:r>
+              <a:rPr lang="nl-BE" dirty="0"/>
+              <a:t>How </a:t>
+            </a:r>
+            <a:r>
+              <a:rPr lang="nl-BE" dirty="0" err="1"/>
+              <a:t>to</a:t>
+            </a:r>
+            <a:r>
+              <a:rPr lang="nl-BE" dirty="0"/>
+              <a:t> </a:t>
+            </a:r>
+            <a:r>
+              <a:rPr lang="nl-BE" dirty="0" err="1"/>
+              <a:t>use</a:t>
+            </a:r>
+            <a:r>
+              <a:rPr lang="nl-BE" dirty="0"/>
+              <a:t> MOOSE </a:t>
+            </a:r>
+            <a:r>
+              <a:rPr lang="nl-BE" dirty="0" err="1"/>
+              <a:t>and</a:t>
+            </a:r>
+            <a:r>
+              <a:rPr lang="nl-BE" dirty="0"/>
+              <a:t> </a:t>
+            </a:r>
+            <a:r>
+              <a:rPr lang="nl-BE" dirty="0" err="1"/>
+              <a:t>install</a:t>
+            </a:r>
+            <a:r>
+              <a:rPr lang="nl-BE" dirty="0"/>
+              <a:t> </a:t>
+            </a:r>
+            <a:r>
+              <a:rPr lang="nl-BE" dirty="0" err="1"/>
+              <a:t>it</a:t>
+            </a:r>
+            <a:r>
+              <a:rPr lang="nl-BE" dirty="0"/>
+              <a:t> in </a:t>
+            </a:r>
+            <a:r>
+              <a:rPr lang="nl-BE" dirty="0" err="1"/>
+              <a:t>your</a:t>
+            </a:r>
+            <a:r>
+              <a:rPr lang="nl-BE" dirty="0"/>
+              <a:t> mission.</a:t>
+            </a:r>
+          </a:p>
+          <a:p>
+            <a:pPr lvl="1"/>
+            <a:r>
+              <a:rPr lang="nl-BE" dirty="0"/>
+              <a:t>The directory </a:t>
+            </a:r>
+            <a:r>
+              <a:rPr lang="nl-BE" dirty="0" err="1"/>
+              <a:t>structure</a:t>
+            </a:r>
+            <a:r>
+              <a:rPr lang="nl-BE" dirty="0"/>
+              <a:t> of </a:t>
+            </a:r>
+            <a:r>
+              <a:rPr lang="nl-BE" dirty="0" err="1"/>
+              <a:t>the</a:t>
+            </a:r>
+            <a:r>
+              <a:rPr lang="nl-BE" dirty="0"/>
+              <a:t> MOOSE pack.</a:t>
+            </a:r>
+          </a:p>
+          <a:p>
+            <a:pPr lvl="1"/>
+            <a:r>
+              <a:rPr lang="nl-BE" dirty="0"/>
+              <a:t>Classes are </a:t>
+            </a:r>
+            <a:r>
+              <a:rPr lang="nl-BE" dirty="0" err="1"/>
+              <a:t>embedded</a:t>
+            </a:r>
+            <a:r>
+              <a:rPr lang="nl-BE" dirty="0"/>
+              <a:t> in </a:t>
+            </a:r>
+            <a:r>
+              <a:rPr lang="nl-BE" dirty="0" err="1"/>
+              <a:t>lua</a:t>
+            </a:r>
+            <a:r>
+              <a:rPr lang="nl-BE" dirty="0"/>
+              <a:t> “modules”. Eg. </a:t>
+            </a:r>
+            <a:r>
+              <a:rPr lang="nl-BE" dirty="0" err="1"/>
+              <a:t>the</a:t>
+            </a:r>
+            <a:r>
+              <a:rPr lang="nl-BE" dirty="0"/>
+              <a:t> zone classes are </a:t>
+            </a:r>
+            <a:r>
+              <a:rPr lang="nl-BE" dirty="0" err="1"/>
+              <a:t>collected</a:t>
+            </a:r>
+            <a:r>
+              <a:rPr lang="nl-BE" dirty="0"/>
+              <a:t> in </a:t>
+            </a:r>
+            <a:r>
+              <a:rPr lang="nl-BE" dirty="0" err="1"/>
+              <a:t>the</a:t>
+            </a:r>
+            <a:r>
+              <a:rPr lang="nl-BE" dirty="0"/>
+              <a:t> </a:t>
+            </a:r>
+            <a:r>
+              <a:rPr lang="nl-BE" dirty="0" err="1"/>
+              <a:t>lua</a:t>
+            </a:r>
+            <a:r>
+              <a:rPr lang="nl-BE" dirty="0"/>
+              <a:t> module Zone. </a:t>
+            </a:r>
+          </a:p>
+          <a:p>
+            <a:pPr lvl="1"/>
+            <a:r>
+              <a:rPr lang="nl-BE" dirty="0"/>
+              <a:t>A CLASS in </a:t>
+            </a:r>
+            <a:r>
+              <a:rPr lang="nl-BE" dirty="0" err="1"/>
+              <a:t>the</a:t>
+            </a:r>
+            <a:r>
+              <a:rPr lang="nl-BE" dirty="0"/>
+              <a:t> </a:t>
+            </a:r>
+            <a:r>
+              <a:rPr lang="nl-BE" dirty="0" err="1"/>
+              <a:t>lua</a:t>
+            </a:r>
+            <a:r>
+              <a:rPr lang="nl-BE" dirty="0"/>
+              <a:t> </a:t>
+            </a:r>
+            <a:r>
+              <a:rPr lang="nl-BE" dirty="0" err="1"/>
+              <a:t>documentation</a:t>
+            </a:r>
+            <a:r>
+              <a:rPr lang="nl-BE" dirty="0"/>
+              <a:t> is </a:t>
+            </a:r>
+            <a:r>
+              <a:rPr lang="nl-BE" dirty="0" err="1"/>
+              <a:t>sometimes</a:t>
+            </a:r>
+            <a:r>
+              <a:rPr lang="nl-BE" dirty="0"/>
+              <a:t> </a:t>
+            </a:r>
+            <a:r>
+              <a:rPr lang="nl-BE" dirty="0" err="1"/>
+              <a:t>referenced</a:t>
+            </a:r>
+            <a:r>
+              <a:rPr lang="nl-BE" dirty="0"/>
+              <a:t> </a:t>
+            </a:r>
+            <a:r>
+              <a:rPr lang="nl-BE" dirty="0" err="1"/>
+              <a:t>by</a:t>
+            </a:r>
+            <a:r>
+              <a:rPr lang="nl-BE" dirty="0"/>
+              <a:t> </a:t>
+            </a:r>
+            <a:r>
+              <a:rPr lang="nl-BE" dirty="0" err="1"/>
+              <a:t>Module#CLASS</a:t>
+            </a:r>
+            <a:r>
+              <a:rPr lang="nl-BE" dirty="0"/>
+              <a:t>. </a:t>
+            </a:r>
+          </a:p>
+          <a:p>
+            <a:pPr lvl="1"/>
+            <a:r>
+              <a:rPr lang="nl-BE" dirty="0"/>
+              <a:t>The Module is </a:t>
+            </a:r>
+            <a:r>
+              <a:rPr lang="nl-BE" dirty="0" err="1"/>
+              <a:t>sometimes</a:t>
+            </a:r>
+            <a:r>
+              <a:rPr lang="nl-BE" dirty="0"/>
+              <a:t> </a:t>
+            </a:r>
+            <a:r>
+              <a:rPr lang="nl-BE" dirty="0" err="1"/>
+              <a:t>not</a:t>
+            </a:r>
+            <a:r>
+              <a:rPr lang="nl-BE" dirty="0"/>
+              <a:t> </a:t>
+            </a:r>
+            <a:r>
+              <a:rPr lang="nl-BE" dirty="0" err="1"/>
+              <a:t>given</a:t>
+            </a:r>
+            <a:r>
+              <a:rPr lang="nl-BE" dirty="0"/>
+              <a:t>, </a:t>
+            </a:r>
+            <a:r>
+              <a:rPr lang="nl-BE" dirty="0" err="1"/>
+              <a:t>so</a:t>
+            </a:r>
+            <a:r>
+              <a:rPr lang="nl-BE" dirty="0"/>
+              <a:t> #CLASS </a:t>
+            </a:r>
+            <a:r>
+              <a:rPr lang="nl-BE" dirty="0" err="1"/>
+              <a:t>references</a:t>
+            </a:r>
+            <a:r>
+              <a:rPr lang="nl-BE" dirty="0"/>
+              <a:t> </a:t>
+            </a:r>
+            <a:r>
+              <a:rPr lang="nl-BE" dirty="0" err="1"/>
+              <a:t>to</a:t>
+            </a:r>
+            <a:r>
+              <a:rPr lang="nl-BE" dirty="0"/>
+              <a:t> a class </a:t>
+            </a:r>
+            <a:r>
+              <a:rPr lang="nl-BE" dirty="0" err="1"/>
+              <a:t>within</a:t>
+            </a:r>
+            <a:r>
+              <a:rPr lang="nl-BE" dirty="0"/>
+              <a:t> </a:t>
+            </a:r>
+            <a:r>
+              <a:rPr lang="nl-BE" dirty="0" err="1"/>
+              <a:t>the</a:t>
+            </a:r>
+            <a:r>
+              <a:rPr lang="nl-BE" dirty="0"/>
+              <a:t> </a:t>
+            </a:r>
+            <a:r>
+              <a:rPr lang="nl-BE" dirty="0" err="1"/>
+              <a:t>current</a:t>
+            </a:r>
+            <a:r>
+              <a:rPr lang="nl-BE" dirty="0"/>
+              <a:t> module. </a:t>
+            </a:r>
+            <a:r>
+              <a:rPr lang="nl-BE" dirty="0" err="1"/>
+              <a:t>All</a:t>
+            </a:r>
+            <a:r>
+              <a:rPr lang="nl-BE" dirty="0"/>
+              <a:t> these </a:t>
+            </a:r>
+            <a:r>
+              <a:rPr lang="nl-BE" dirty="0" err="1"/>
+              <a:t>references</a:t>
+            </a:r>
+            <a:r>
+              <a:rPr lang="nl-BE" dirty="0"/>
+              <a:t> are clickable, </a:t>
+            </a:r>
+            <a:r>
+              <a:rPr lang="nl-BE" dirty="0" err="1"/>
+              <a:t>so</a:t>
+            </a:r>
+            <a:r>
+              <a:rPr lang="nl-BE" dirty="0"/>
+              <a:t> </a:t>
+            </a:r>
+            <a:r>
+              <a:rPr lang="nl-BE" dirty="0" err="1"/>
+              <a:t>within</a:t>
+            </a:r>
+            <a:r>
+              <a:rPr lang="nl-BE" dirty="0"/>
+              <a:t> </a:t>
+            </a:r>
+            <a:r>
+              <a:rPr lang="nl-BE" dirty="0" err="1"/>
+              <a:t>the</a:t>
+            </a:r>
+            <a:r>
+              <a:rPr lang="nl-BE" dirty="0"/>
+              <a:t> </a:t>
+            </a:r>
+            <a:r>
+              <a:rPr lang="nl-BE" dirty="0" err="1"/>
+              <a:t>documentation</a:t>
+            </a:r>
+            <a:r>
+              <a:rPr lang="nl-BE" dirty="0"/>
+              <a:t>, </a:t>
+            </a:r>
+            <a:r>
+              <a:rPr lang="nl-BE" dirty="0" err="1"/>
+              <a:t>it</a:t>
+            </a:r>
+            <a:r>
+              <a:rPr lang="nl-BE" dirty="0"/>
+              <a:t> is </a:t>
+            </a:r>
+            <a:r>
+              <a:rPr lang="nl-BE" dirty="0" err="1"/>
+              <a:t>possible</a:t>
+            </a:r>
+            <a:r>
+              <a:rPr lang="nl-BE" dirty="0"/>
+              <a:t> </a:t>
+            </a:r>
+            <a:r>
+              <a:rPr lang="nl-BE" dirty="0" err="1"/>
+              <a:t>to</a:t>
+            </a:r>
+            <a:r>
+              <a:rPr lang="nl-BE" dirty="0"/>
+              <a:t> move back </a:t>
+            </a:r>
+            <a:r>
+              <a:rPr lang="nl-BE" dirty="0" err="1"/>
+              <a:t>and</a:t>
+            </a:r>
+            <a:r>
+              <a:rPr lang="nl-BE" dirty="0"/>
+              <a:t> </a:t>
+            </a:r>
+            <a:r>
+              <a:rPr lang="nl-BE" dirty="0" err="1"/>
+              <a:t>forth</a:t>
+            </a:r>
+            <a:r>
+              <a:rPr lang="nl-BE" dirty="0"/>
+              <a:t> </a:t>
+            </a:r>
+            <a:r>
+              <a:rPr lang="nl-BE" dirty="0" err="1"/>
+              <a:t>through</a:t>
+            </a:r>
+            <a:r>
+              <a:rPr lang="nl-BE" dirty="0"/>
+              <a:t> </a:t>
+            </a:r>
+            <a:r>
+              <a:rPr lang="nl-BE" dirty="0" err="1"/>
+              <a:t>the</a:t>
+            </a:r>
+            <a:r>
+              <a:rPr lang="nl-BE" dirty="0"/>
+              <a:t> </a:t>
+            </a:r>
+            <a:r>
+              <a:rPr lang="nl-BE" dirty="0" err="1"/>
+              <a:t>explanations</a:t>
+            </a:r>
+            <a:r>
+              <a:rPr lang="nl-BE" dirty="0"/>
+              <a:t>.</a:t>
+            </a:r>
+          </a:p>
+        </p:txBody>
+      </p:sp>
+      <p:sp>
+        <p:nvSpPr>
+          <p:cNvPr id="7" name="TextBox 19"/>
+          <p:cNvSpPr txBox="1"/>
+          <p:nvPr/>
+        </p:nvSpPr>
+        <p:spPr>
+          <a:xfrm>
+            <a:off x="785941" y="2078985"/>
+            <a:ext cx="10620117" cy="1170013"/>
+          </a:xfrm>
+          <a:prstGeom prst="roundRect">
+            <a:avLst/>
+          </a:prstGeom>
+          <a:ln w="28575"/>
+        </p:spPr>
+        <p:style>
+          <a:lnRef idx="2">
+            <a:schemeClr val="accent1"/>
+          </a:lnRef>
+          <a:fillRef idx="1">
+            <a:schemeClr val="lt1"/>
+          </a:fillRef>
+          <a:effectRef idx="0">
+            <a:schemeClr val="accent1"/>
+          </a:effectRef>
+          <a:fontRef idx="minor">
+            <a:schemeClr val="dk1"/>
+          </a:fontRef>
+        </p:style>
+        <p:txBody>
+          <a:bodyPr wrap="square" rtlCol="0" anchor="ctr">
+            <a:noAutofit/>
+          </a:bodyPr>
+          <a:lstStyle>
+            <a:defPPr>
+              <a:defRPr lang="en-US"/>
+            </a:defPPr>
+            <a:lvl1pPr marL="285750" indent="-285750">
+              <a:buFontTx/>
+              <a:buChar char="-"/>
+              <a:defRPr>
+                <a:solidFill>
+                  <a:schemeClr val="dk1"/>
+                </a:solidFill>
+              </a:defRPr>
+            </a:lvl1pPr>
+            <a:lvl2pPr>
+              <a:defRPr>
+                <a:solidFill>
+                  <a:schemeClr val="dk1"/>
+                </a:solidFill>
+              </a:defRPr>
+            </a:lvl2pPr>
+            <a:lvl3pPr>
+              <a:defRPr>
+                <a:solidFill>
+                  <a:schemeClr val="dk1"/>
+                </a:solidFill>
+              </a:defRPr>
+            </a:lvl3pPr>
+            <a:lvl4pPr>
+              <a:defRPr>
+                <a:solidFill>
+                  <a:schemeClr val="dk1"/>
+                </a:solidFill>
+              </a:defRPr>
+            </a:lvl4pPr>
+            <a:lvl5pPr>
+              <a:defRPr>
+                <a:solidFill>
+                  <a:schemeClr val="dk1"/>
+                </a:solidFill>
+              </a:defRPr>
+            </a:lvl5pPr>
+            <a:lvl6pPr>
+              <a:defRPr>
+                <a:solidFill>
+                  <a:schemeClr val="dk1"/>
+                </a:solidFill>
+              </a:defRPr>
+            </a:lvl6pPr>
+            <a:lvl7pPr>
+              <a:defRPr>
+                <a:solidFill>
+                  <a:schemeClr val="dk1"/>
+                </a:solidFill>
+              </a:defRPr>
+            </a:lvl7pPr>
+            <a:lvl8pPr>
+              <a:defRPr>
+                <a:solidFill>
+                  <a:schemeClr val="dk1"/>
+                </a:solidFill>
+              </a:defRPr>
+            </a:lvl8pPr>
+            <a:lvl9pPr>
+              <a:defRPr>
+                <a:solidFill>
+                  <a:schemeClr val="dk1"/>
+                </a:solidFill>
+              </a:defRPr>
+            </a:lvl9pPr>
+          </a:lstStyle>
+          <a:p>
+            <a:pPr marL="0" indent="0" algn="ctr">
+              <a:buNone/>
+            </a:pPr>
+            <a:r>
+              <a:rPr lang="nl-BE" sz="2400" dirty="0" err="1"/>
+              <a:t>All</a:t>
+            </a:r>
+            <a:r>
+              <a:rPr lang="nl-BE" sz="2400" dirty="0"/>
+              <a:t> class </a:t>
+            </a:r>
+            <a:r>
+              <a:rPr lang="nl-BE" sz="2400" dirty="0" err="1"/>
+              <a:t>and</a:t>
+            </a:r>
+            <a:r>
+              <a:rPr lang="nl-BE" sz="2400" dirty="0"/>
+              <a:t> API </a:t>
+            </a:r>
+            <a:r>
+              <a:rPr lang="nl-BE" sz="2400" dirty="0" err="1"/>
+              <a:t>descriptions</a:t>
+            </a:r>
+            <a:r>
+              <a:rPr lang="nl-BE" sz="2400" dirty="0"/>
+              <a:t> on </a:t>
+            </a:r>
+            <a:r>
+              <a:rPr lang="nl-BE" sz="2400" dirty="0" err="1"/>
+              <a:t>the</a:t>
+            </a:r>
+            <a:r>
+              <a:rPr lang="nl-BE" sz="2400" dirty="0"/>
+              <a:t> </a:t>
+            </a:r>
+            <a:r>
+              <a:rPr lang="nl-BE" sz="2400" b="1" dirty="0">
+                <a:hlinkClick r:id="rId2"/>
+              </a:rPr>
+              <a:t>MOOSE GITHUB</a:t>
+            </a:r>
+            <a:r>
+              <a:rPr lang="nl-BE" sz="2400" dirty="0"/>
+              <a:t> pages.</a:t>
+            </a:r>
+          </a:p>
+          <a:p>
+            <a:pPr marL="0" indent="0" algn="ctr">
+              <a:buNone/>
+            </a:pPr>
+            <a:r>
+              <a:rPr lang="nl-BE" sz="2400" dirty="0" err="1"/>
+              <a:t>There</a:t>
+            </a:r>
+            <a:r>
+              <a:rPr lang="nl-BE" sz="2400" dirty="0"/>
+              <a:t> are online training </a:t>
+            </a:r>
+            <a:r>
+              <a:rPr lang="nl-BE" sz="2400" dirty="0" err="1"/>
+              <a:t>videos</a:t>
+            </a:r>
+            <a:r>
+              <a:rPr lang="nl-BE" sz="2400" dirty="0"/>
+              <a:t> </a:t>
+            </a:r>
+            <a:r>
+              <a:rPr lang="nl-BE" sz="2400" dirty="0" err="1"/>
+              <a:t>available</a:t>
+            </a:r>
+            <a:r>
+              <a:rPr lang="nl-BE" sz="2400" dirty="0"/>
+              <a:t> on </a:t>
+            </a:r>
+            <a:r>
+              <a:rPr lang="nl-BE" sz="2400" dirty="0" err="1"/>
+              <a:t>my</a:t>
+            </a:r>
+            <a:r>
+              <a:rPr lang="nl-BE" sz="2400" dirty="0"/>
+              <a:t> </a:t>
+            </a:r>
+            <a:r>
+              <a:rPr lang="nl-BE" sz="2400" b="1" dirty="0">
+                <a:hlinkClick r:id="rId3"/>
+              </a:rPr>
+              <a:t>YOUTUBE CHANNEL</a:t>
+            </a:r>
+            <a:r>
+              <a:rPr lang="nl-BE" sz="2400" dirty="0"/>
+              <a:t>.</a:t>
+            </a:r>
+          </a:p>
+        </p:txBody>
+      </p:sp>
+    </p:spTree>
+    <p:extLst>
+      <p:ext uri="{BB962C8B-B14F-4D97-AF65-F5344CB8AC3E}">
+        <p14:creationId xmlns:p14="http://schemas.microsoft.com/office/powerpoint/2010/main" val="3080009331"/>
+      </p:ext>
+    </p:extLst>
+  </p:cSld>
+  <p:clrMapOvr>
+    <a:masterClrMapping/>
+  </p:clrMapOvr>
+</p:sld>
+</file>
+
+<file path=ppt/slides/slide11.xml><?xml version="1.0" encoding="utf-8"?>
+<p:sld xmlns:a="http://schemas.openxmlformats.org/drawingml/2006/main" xmlns:r="http://schemas.openxmlformats.org/officeDocument/2006/relationships" xmlns:p="http://schemas.openxmlformats.org/presentationml/2006/main">
+  <p:cSld>
+    <p:spTree>
+      <p:nvGrpSpPr>
+        <p:cNvPr id="1" name=""/>
+        <p:cNvGrpSpPr/>
+        <p:nvPr/>
+      </p:nvGrpSpPr>
+      <p:grpSpPr>
+        <a:xfrm>
+          <a:off x="0" y="0"/>
+          <a:ext cx="0" cy="0"/>
+          <a:chOff x="0" y="0"/>
+          <a:chExt cx="0" cy="0"/>
+        </a:xfrm>
+      </p:grpSpPr>
+      <p:sp>
+        <p:nvSpPr>
+          <p:cNvPr id="4" name="Titel 3"/>
+          <p:cNvSpPr>
+            <a:spLocks noGrp="1"/>
+          </p:cNvSpPr>
+          <p:nvPr>
+            <p:ph type="ctrTitle"/>
+          </p:nvPr>
+        </p:nvSpPr>
+        <p:spPr/>
+        <p:txBody>
+          <a:bodyPr/>
+          <a:lstStyle/>
+          <a:p>
+            <a:r>
+              <a:rPr lang="nl-BE" dirty="0"/>
+              <a:t>HOPE YOU FOUND THIS INTERESTING</a:t>
+            </a:r>
+          </a:p>
+        </p:txBody>
+      </p:sp>
+      <p:sp>
+        <p:nvSpPr>
+          <p:cNvPr id="5" name="Ondertitel 4"/>
+          <p:cNvSpPr>
+            <a:spLocks noGrp="1"/>
+          </p:cNvSpPr>
+          <p:nvPr>
+            <p:ph type="subTitle" idx="1"/>
+          </p:nvPr>
+        </p:nvSpPr>
+        <p:spPr/>
+        <p:txBody>
+          <a:bodyPr/>
+          <a:lstStyle/>
+          <a:p>
+            <a:endParaRPr lang="nl-BE"/>
+          </a:p>
+        </p:txBody>
+      </p:sp>
+      <p:sp>
+        <p:nvSpPr>
+          <p:cNvPr id="6" name="TextBox 19"/>
+          <p:cNvSpPr txBox="1"/>
+          <p:nvPr/>
+        </p:nvSpPr>
+        <p:spPr>
+          <a:xfrm>
+            <a:off x="695940" y="368966"/>
+            <a:ext cx="10620117" cy="1170013"/>
+          </a:xfrm>
+          <a:prstGeom prst="roundRect">
+            <a:avLst/>
+          </a:prstGeom>
+          <a:ln w="28575"/>
+        </p:spPr>
+        <p:style>
+          <a:lnRef idx="2">
+            <a:schemeClr val="accent1"/>
+          </a:lnRef>
+          <a:fillRef idx="1">
+            <a:schemeClr val="lt1"/>
+          </a:fillRef>
+          <a:effectRef idx="0">
+            <a:schemeClr val="accent1"/>
+          </a:effectRef>
+          <a:fontRef idx="minor">
+            <a:schemeClr val="dk1"/>
+          </a:fontRef>
+        </p:style>
+        <p:txBody>
+          <a:bodyPr wrap="square" rtlCol="0" anchor="ctr">
+            <a:noAutofit/>
+          </a:bodyPr>
+          <a:lstStyle>
+            <a:defPPr>
+              <a:defRPr lang="en-US"/>
+            </a:defPPr>
+            <a:lvl1pPr marL="285750" indent="-285750">
+              <a:buFontTx/>
+              <a:buChar char="-"/>
+              <a:defRPr>
+                <a:solidFill>
+                  <a:schemeClr val="dk1"/>
+                </a:solidFill>
+              </a:defRPr>
+            </a:lvl1pPr>
+            <a:lvl2pPr>
+              <a:defRPr>
+                <a:solidFill>
+                  <a:schemeClr val="dk1"/>
+                </a:solidFill>
+              </a:defRPr>
+            </a:lvl2pPr>
+            <a:lvl3pPr>
+              <a:defRPr>
+                <a:solidFill>
+                  <a:schemeClr val="dk1"/>
+                </a:solidFill>
+              </a:defRPr>
+            </a:lvl3pPr>
+            <a:lvl4pPr>
+              <a:defRPr>
+                <a:solidFill>
+                  <a:schemeClr val="dk1"/>
+                </a:solidFill>
+              </a:defRPr>
+            </a:lvl4pPr>
+            <a:lvl5pPr>
+              <a:defRPr>
+                <a:solidFill>
+                  <a:schemeClr val="dk1"/>
+                </a:solidFill>
+              </a:defRPr>
+            </a:lvl5pPr>
+            <a:lvl6pPr>
+              <a:defRPr>
+                <a:solidFill>
+                  <a:schemeClr val="dk1"/>
+                </a:solidFill>
+              </a:defRPr>
+            </a:lvl6pPr>
+            <a:lvl7pPr>
+              <a:defRPr>
+                <a:solidFill>
+                  <a:schemeClr val="dk1"/>
+                </a:solidFill>
+              </a:defRPr>
+            </a:lvl7pPr>
+            <a:lvl8pPr>
+              <a:defRPr>
+                <a:solidFill>
+                  <a:schemeClr val="dk1"/>
+                </a:solidFill>
+              </a:defRPr>
+            </a:lvl8pPr>
+            <a:lvl9pPr>
+              <a:defRPr>
+                <a:solidFill>
+                  <a:schemeClr val="dk1"/>
+                </a:solidFill>
+              </a:defRPr>
+            </a:lvl9pPr>
+          </a:lstStyle>
+          <a:p>
+            <a:pPr marL="0" indent="0" algn="ctr">
+              <a:buNone/>
+            </a:pPr>
+            <a:r>
+              <a:rPr lang="nl-BE" sz="2400" dirty="0" err="1"/>
+              <a:t>You</a:t>
+            </a:r>
+            <a:r>
+              <a:rPr lang="nl-BE" sz="2400" dirty="0"/>
+              <a:t> </a:t>
+            </a:r>
+            <a:r>
+              <a:rPr lang="nl-BE" sz="2400" dirty="0" err="1"/>
+              <a:t>can</a:t>
+            </a:r>
+            <a:r>
+              <a:rPr lang="nl-BE" sz="2400" dirty="0"/>
+              <a:t> </a:t>
+            </a:r>
+            <a:r>
+              <a:rPr lang="nl-BE" sz="2400" dirty="0" err="1"/>
+              <a:t>reach</a:t>
+            </a:r>
+            <a:r>
+              <a:rPr lang="nl-BE" sz="2400" dirty="0"/>
+              <a:t> me on </a:t>
+            </a:r>
+            <a:r>
+              <a:rPr lang="nl-BE" sz="2400" b="1" dirty="0">
+                <a:hlinkClick r:id="rId2"/>
+              </a:rPr>
+              <a:t>SKYPE</a:t>
+            </a:r>
+            <a:r>
+              <a:rPr lang="nl-BE" sz="2400" dirty="0"/>
+              <a:t> </a:t>
+            </a:r>
+            <a:r>
+              <a:rPr lang="nl-BE" sz="2400" dirty="0" err="1"/>
+              <a:t>with</a:t>
+            </a:r>
+            <a:r>
+              <a:rPr lang="nl-BE" sz="2400" dirty="0"/>
+              <a:t> </a:t>
+            </a:r>
+            <a:r>
+              <a:rPr lang="nl-BE" sz="2400" dirty="0" err="1"/>
+              <a:t>the</a:t>
+            </a:r>
+            <a:r>
+              <a:rPr lang="nl-BE" sz="2400" dirty="0"/>
+              <a:t> ID: </a:t>
+            </a:r>
+            <a:r>
+              <a:rPr lang="nl-BE" sz="2400" b="1" dirty="0" err="1"/>
+              <a:t>FlightControl_Skype</a:t>
+            </a:r>
+            <a:endParaRPr lang="nl-BE" sz="2400" b="1" dirty="0"/>
+          </a:p>
+          <a:p>
+            <a:pPr marL="0" indent="0" algn="ctr">
+              <a:buNone/>
+            </a:pPr>
+            <a:r>
+              <a:rPr lang="nl-BE" sz="2400" dirty="0"/>
+              <a:t>Or, </a:t>
+            </a:r>
+            <a:r>
+              <a:rPr lang="nl-BE" sz="2400" dirty="0" err="1"/>
+              <a:t>join</a:t>
+            </a:r>
+            <a:r>
+              <a:rPr lang="nl-BE" sz="2400" dirty="0"/>
+              <a:t> </a:t>
+            </a:r>
+            <a:r>
+              <a:rPr lang="nl-BE" sz="2400" dirty="0" err="1"/>
+              <a:t>the</a:t>
+            </a:r>
+            <a:r>
+              <a:rPr lang="nl-BE" sz="2400" dirty="0"/>
+              <a:t> </a:t>
+            </a:r>
+            <a:r>
+              <a:rPr lang="nl-BE" sz="2400" b="1" dirty="0">
+                <a:hlinkClick r:id="rId3"/>
+              </a:rPr>
+              <a:t>SLACK.COM</a:t>
+            </a:r>
+            <a:r>
+              <a:rPr lang="nl-BE" sz="2400" dirty="0"/>
+              <a:t> development community at </a:t>
+            </a:r>
+          </a:p>
+          <a:p>
+            <a:pPr marL="0" indent="0" algn="ctr">
+              <a:buNone/>
+            </a:pPr>
+            <a:r>
+              <a:rPr lang="nl-BE" sz="2400" dirty="0">
+                <a:hlinkClick r:id="rId4"/>
+              </a:rPr>
+              <a:t>https://flightcontrol.slack.com/messages/moose/</a:t>
+            </a:r>
+            <a:endParaRPr lang="nl-BE" sz="2400" dirty="0"/>
+          </a:p>
+        </p:txBody>
+      </p:sp>
+    </p:spTree>
+    <p:extLst>
+      <p:ext uri="{BB962C8B-B14F-4D97-AF65-F5344CB8AC3E}">
+        <p14:creationId xmlns:p14="http://schemas.microsoft.com/office/powerpoint/2010/main" val="2576351423"/>
       </p:ext>
     </p:extLst>
   </p:cSld>
@@ -3466,7 +4512,7 @@
       </p:grpSpPr>
       <p:sp>
         <p:nvSpPr>
-          <p:cNvPr id="2" name="Titel 1"/>
+          <p:cNvPr id="6" name="Titel 5"/>
           <p:cNvSpPr>
             <a:spLocks noGrp="1"/>
           </p:cNvSpPr>
@@ -3481,7 +4527,435 @@
           <a:p>
             <a:r>
               <a:rPr lang="nl-BE" dirty="0"/>
-              <a:t>Part 1: tools </a:t>
+              <a:t>MOOSE</a:t>
+            </a:r>
+            <a:br>
+              <a:rPr lang="nl-BE" dirty="0"/>
+            </a:br>
+            <a:r>
+              <a:rPr lang="nl-BE" dirty="0"/>
+              <a:t>M</a:t>
+            </a:r>
+            <a:r>
+              <a:rPr lang="nl-BE" sz="2400" dirty="0"/>
+              <a:t>ission </a:t>
+            </a:r>
+            <a:r>
+              <a:rPr lang="nl-BE" dirty="0"/>
+              <a:t>o</a:t>
+            </a:r>
+            <a:r>
+              <a:rPr lang="nl-BE" sz="2400" dirty="0"/>
+              <a:t>bject </a:t>
+            </a:r>
+            <a:r>
+              <a:rPr lang="nl-BE" dirty="0" err="1"/>
+              <a:t>o</a:t>
+            </a:r>
+            <a:r>
+              <a:rPr lang="nl-BE" sz="2400" dirty="0" err="1"/>
+              <a:t>riented</a:t>
+            </a:r>
+            <a:r>
+              <a:rPr lang="nl-BE" sz="2400" dirty="0"/>
+              <a:t> </a:t>
+            </a:r>
+            <a:r>
+              <a:rPr lang="nl-BE" dirty="0" err="1"/>
+              <a:t>s</a:t>
+            </a:r>
+            <a:r>
+              <a:rPr lang="nl-BE" sz="2400" dirty="0" err="1"/>
+              <a:t>cripting</a:t>
+            </a:r>
+            <a:r>
+              <a:rPr lang="nl-BE" sz="2400" dirty="0"/>
+              <a:t> </a:t>
+            </a:r>
+            <a:r>
+              <a:rPr lang="nl-BE" dirty="0"/>
+              <a:t>e</a:t>
+            </a:r>
+            <a:r>
+              <a:rPr lang="nl-BE" sz="2400" dirty="0"/>
+              <a:t>nvironment</a:t>
+            </a:r>
+            <a:endParaRPr lang="en-US" sz="2400" dirty="0"/>
+          </a:p>
+        </p:txBody>
+      </p:sp>
+      <p:sp>
+        <p:nvSpPr>
+          <p:cNvPr id="11" name="Rechthoek 10"/>
+          <p:cNvSpPr/>
+          <p:nvPr/>
+        </p:nvSpPr>
+        <p:spPr>
+          <a:xfrm>
+            <a:off x="6546005" y="2708992"/>
+            <a:ext cx="5040056" cy="3960044"/>
+          </a:xfrm>
+          <a:prstGeom prst="rect">
+            <a:avLst/>
+          </a:prstGeom>
+          <a:solidFill>
+            <a:schemeClr val="tx1"/>
+          </a:solidFill>
+          <a:ln w="28575"/>
+        </p:spPr>
+        <p:style>
+          <a:lnRef idx="2">
+            <a:schemeClr val="accent1"/>
+          </a:lnRef>
+          <a:fillRef idx="1">
+            <a:schemeClr val="lt1"/>
+          </a:fillRef>
+          <a:effectRef idx="0">
+            <a:schemeClr val="accent1"/>
+          </a:effectRef>
+          <a:fontRef idx="minor">
+            <a:schemeClr val="dk1"/>
+          </a:fontRef>
+        </p:style>
+        <p:txBody>
+          <a:bodyPr rtlCol="0" anchor="t"/>
+          <a:lstStyle/>
+          <a:p>
+            <a:pPr marL="342900" indent="-342900">
+              <a:buFont typeface="Arial" panose="020B0604020202020204" pitchFamily="34" charset="0"/>
+              <a:buChar char="•"/>
+            </a:pPr>
+            <a:r>
+              <a:rPr lang="nl-BE" dirty="0"/>
+              <a:t>Make </a:t>
+            </a:r>
+            <a:r>
+              <a:rPr lang="nl-BE" dirty="0" err="1"/>
+              <a:t>lua</a:t>
+            </a:r>
+            <a:r>
+              <a:rPr lang="nl-BE" dirty="0"/>
+              <a:t> </a:t>
+            </a:r>
+            <a:r>
+              <a:rPr lang="nl-BE" dirty="0" err="1"/>
+              <a:t>scripting</a:t>
+            </a:r>
+            <a:r>
+              <a:rPr lang="nl-BE" dirty="0"/>
+              <a:t> </a:t>
+            </a:r>
+            <a:r>
+              <a:rPr lang="nl-BE" b="1" dirty="0"/>
+              <a:t>more easy </a:t>
+            </a:r>
+            <a:r>
+              <a:rPr lang="nl-BE" dirty="0" err="1"/>
+              <a:t>for</a:t>
+            </a:r>
+            <a:r>
+              <a:rPr lang="nl-BE" dirty="0"/>
+              <a:t> mission designers, </a:t>
+            </a:r>
+            <a:r>
+              <a:rPr lang="nl-BE" dirty="0" err="1"/>
+              <a:t>provide</a:t>
+            </a:r>
+            <a:r>
+              <a:rPr lang="nl-BE" dirty="0"/>
+              <a:t> </a:t>
+            </a:r>
+            <a:r>
+              <a:rPr lang="nl-BE" dirty="0" err="1"/>
+              <a:t>an</a:t>
+            </a:r>
+            <a:r>
+              <a:rPr lang="nl-BE" dirty="0"/>
+              <a:t> </a:t>
+            </a:r>
+            <a:r>
+              <a:rPr lang="nl-BE" dirty="0" err="1"/>
+              <a:t>abstraction</a:t>
+            </a:r>
+            <a:r>
+              <a:rPr lang="nl-BE" dirty="0"/>
+              <a:t> </a:t>
+            </a:r>
+            <a:r>
+              <a:rPr lang="nl-BE" dirty="0" err="1"/>
+              <a:t>layer</a:t>
+            </a:r>
+            <a:r>
+              <a:rPr lang="nl-BE" dirty="0"/>
+              <a:t>.</a:t>
+            </a:r>
+          </a:p>
+          <a:p>
+            <a:pPr marL="342900" indent="-342900">
+              <a:buFont typeface="Arial" panose="020B0604020202020204" pitchFamily="34" charset="0"/>
+              <a:buChar char="•"/>
+            </a:pPr>
+            <a:r>
+              <a:rPr lang="nl-BE" dirty="0" err="1"/>
+              <a:t>Achieve</a:t>
+            </a:r>
+            <a:r>
+              <a:rPr lang="nl-BE" b="1" dirty="0"/>
+              <a:t> more </a:t>
+            </a:r>
+            <a:r>
+              <a:rPr lang="nl-BE" dirty="0" err="1"/>
+              <a:t>with</a:t>
+            </a:r>
+            <a:r>
+              <a:rPr lang="nl-BE" dirty="0"/>
+              <a:t> </a:t>
+            </a:r>
+            <a:r>
+              <a:rPr lang="nl-BE" b="1" dirty="0" err="1"/>
+              <a:t>less</a:t>
+            </a:r>
+            <a:r>
+              <a:rPr lang="nl-BE" dirty="0"/>
+              <a:t> </a:t>
+            </a:r>
+            <a:r>
+              <a:rPr lang="nl-BE" dirty="0" err="1"/>
+              <a:t>lua</a:t>
+            </a:r>
+            <a:r>
+              <a:rPr lang="nl-BE" dirty="0"/>
+              <a:t> code.</a:t>
+            </a:r>
+          </a:p>
+          <a:p>
+            <a:pPr marL="342900" indent="-342900">
+              <a:buFont typeface="Arial" panose="020B0604020202020204" pitchFamily="34" charset="0"/>
+              <a:buChar char="•"/>
+            </a:pPr>
+            <a:r>
+              <a:rPr lang="nl-BE" dirty="0" err="1"/>
+              <a:t>Allow</a:t>
+            </a:r>
+            <a:r>
+              <a:rPr lang="nl-BE" dirty="0"/>
+              <a:t> </a:t>
+            </a:r>
+            <a:r>
+              <a:rPr lang="nl-BE" dirty="0" err="1"/>
+              <a:t>to</a:t>
+            </a:r>
+            <a:r>
+              <a:rPr lang="nl-BE" dirty="0"/>
+              <a:t> </a:t>
+            </a:r>
+            <a:r>
+              <a:rPr lang="nl-BE" b="1" dirty="0" err="1"/>
+              <a:t>condense</a:t>
+            </a:r>
+            <a:r>
+              <a:rPr lang="nl-BE" b="1" dirty="0"/>
+              <a:t> code </a:t>
+            </a:r>
+            <a:r>
+              <a:rPr lang="nl-BE" dirty="0" err="1"/>
+              <a:t>within</a:t>
+            </a:r>
+            <a:r>
+              <a:rPr lang="nl-BE" dirty="0"/>
+              <a:t> </a:t>
+            </a:r>
+            <a:r>
+              <a:rPr lang="nl-BE" dirty="0" err="1"/>
+              <a:t>one</a:t>
+            </a:r>
+            <a:r>
+              <a:rPr lang="nl-BE" dirty="0"/>
+              <a:t> script file.</a:t>
+            </a:r>
+          </a:p>
+          <a:p>
+            <a:pPr marL="342900" indent="-342900">
+              <a:buFont typeface="Arial" panose="020B0604020202020204" pitchFamily="34" charset="0"/>
+              <a:buChar char="•"/>
+            </a:pPr>
+            <a:r>
+              <a:rPr lang="nl-BE" dirty="0"/>
+              <a:t>Proper </a:t>
+            </a:r>
+            <a:r>
+              <a:rPr lang="nl-BE" b="1" dirty="0" err="1"/>
+              <a:t>documentation</a:t>
+            </a:r>
+            <a:r>
+              <a:rPr lang="nl-BE" dirty="0"/>
+              <a:t>.</a:t>
+            </a:r>
+          </a:p>
+          <a:p>
+            <a:pPr marL="342900" indent="-342900">
+              <a:buFont typeface="Arial" panose="020B0604020202020204" pitchFamily="34" charset="0"/>
+              <a:buChar char="•"/>
+            </a:pPr>
+            <a:r>
+              <a:rPr lang="nl-BE" b="1" dirty="0" err="1"/>
+              <a:t>Example</a:t>
+            </a:r>
+            <a:r>
+              <a:rPr lang="nl-BE" b="1" dirty="0"/>
+              <a:t> </a:t>
+            </a:r>
+            <a:r>
+              <a:rPr lang="nl-BE" b="1" dirty="0" err="1"/>
+              <a:t>missions</a:t>
+            </a:r>
+            <a:r>
+              <a:rPr lang="nl-BE" dirty="0"/>
+              <a:t>.</a:t>
+            </a:r>
+          </a:p>
+          <a:p>
+            <a:pPr marL="342900" indent="-342900">
+              <a:buFont typeface="Arial" panose="020B0604020202020204" pitchFamily="34" charset="0"/>
+              <a:buChar char="•"/>
+            </a:pPr>
+            <a:r>
+              <a:rPr lang="nl-BE" dirty="0" err="1"/>
+              <a:t>Work</a:t>
+            </a:r>
+            <a:r>
+              <a:rPr lang="nl-BE" dirty="0"/>
+              <a:t> </a:t>
+            </a:r>
+            <a:r>
+              <a:rPr lang="nl-BE" dirty="0" err="1"/>
+              <a:t>with</a:t>
+            </a:r>
+            <a:r>
+              <a:rPr lang="nl-BE" dirty="0"/>
+              <a:t> (</a:t>
+            </a:r>
+            <a:r>
+              <a:rPr lang="nl-BE" dirty="0" err="1"/>
+              <a:t>global</a:t>
+            </a:r>
+            <a:r>
+              <a:rPr lang="nl-BE" dirty="0"/>
+              <a:t>) </a:t>
+            </a:r>
+            <a:r>
+              <a:rPr lang="nl-BE" b="1" dirty="0" err="1"/>
+              <a:t>objects</a:t>
+            </a:r>
+            <a:r>
+              <a:rPr lang="nl-BE" dirty="0"/>
+              <a:t> </a:t>
+            </a:r>
+            <a:r>
+              <a:rPr lang="nl-BE" dirty="0" err="1"/>
+              <a:t>with</a:t>
+            </a:r>
+            <a:r>
+              <a:rPr lang="nl-BE" dirty="0"/>
+              <a:t> </a:t>
+            </a:r>
+            <a:r>
+              <a:rPr lang="nl-BE" dirty="0" err="1"/>
+              <a:t>methods</a:t>
+            </a:r>
+            <a:r>
+              <a:rPr lang="nl-BE" dirty="0"/>
+              <a:t>.</a:t>
+            </a:r>
+          </a:p>
+          <a:p>
+            <a:pPr marL="342900" indent="-342900">
+              <a:buFont typeface="Arial" panose="020B0604020202020204" pitchFamily="34" charset="0"/>
+              <a:buChar char="•"/>
+            </a:pPr>
+            <a:r>
+              <a:rPr lang="nl-BE" b="1" dirty="0" err="1"/>
+              <a:t>Polymorphism</a:t>
+            </a:r>
+            <a:r>
+              <a:rPr lang="nl-BE" dirty="0"/>
+              <a:t>.</a:t>
+            </a:r>
+          </a:p>
+          <a:p>
+            <a:pPr marL="342900" indent="-342900">
+              <a:buFont typeface="Arial" panose="020B0604020202020204" pitchFamily="34" charset="0"/>
+              <a:buChar char="•"/>
+            </a:pPr>
+            <a:r>
+              <a:rPr lang="nl-BE" dirty="0" err="1"/>
+              <a:t>Create</a:t>
+            </a:r>
+            <a:r>
+              <a:rPr lang="nl-BE" dirty="0"/>
+              <a:t> </a:t>
+            </a:r>
+            <a:r>
+              <a:rPr lang="nl-BE" b="1" dirty="0"/>
+              <a:t>multiple </a:t>
+            </a:r>
+            <a:r>
+              <a:rPr lang="nl-BE" b="1" dirty="0" err="1"/>
+              <a:t>tasks</a:t>
+            </a:r>
+            <a:r>
+              <a:rPr lang="nl-BE" b="1" dirty="0"/>
+              <a:t> (goals) </a:t>
+            </a:r>
+            <a:r>
+              <a:rPr lang="nl-BE" dirty="0" err="1"/>
+              <a:t>within</a:t>
+            </a:r>
+            <a:r>
+              <a:rPr lang="nl-BE" dirty="0"/>
+              <a:t> </a:t>
+            </a:r>
+            <a:r>
+              <a:rPr lang="nl-BE" dirty="0" err="1"/>
+              <a:t>one</a:t>
+            </a:r>
+            <a:r>
+              <a:rPr lang="nl-BE" dirty="0"/>
+              <a:t> mission.</a:t>
+            </a:r>
+          </a:p>
+          <a:p>
+            <a:pPr marL="342900" indent="-342900">
+              <a:buFont typeface="Arial" panose="020B0604020202020204" pitchFamily="34" charset="0"/>
+              <a:buChar char="•"/>
+            </a:pPr>
+            <a:r>
+              <a:rPr lang="nl-BE" b="1" dirty="0" err="1"/>
+              <a:t>Avoid</a:t>
+            </a:r>
+            <a:r>
+              <a:rPr lang="nl-BE" dirty="0"/>
+              <a:t> large </a:t>
+            </a:r>
+            <a:r>
+              <a:rPr lang="nl-BE" b="1" dirty="0" err="1"/>
+              <a:t>repeating</a:t>
+            </a:r>
+            <a:r>
+              <a:rPr lang="nl-BE" b="1" dirty="0"/>
+              <a:t> loops</a:t>
+            </a:r>
+            <a:r>
+              <a:rPr lang="nl-BE" dirty="0"/>
+              <a:t>. Follow </a:t>
+            </a:r>
+            <a:r>
+              <a:rPr lang="nl-BE" dirty="0" err="1"/>
+              <a:t>the</a:t>
+            </a:r>
+            <a:r>
+              <a:rPr lang="nl-BE" dirty="0"/>
+              <a:t> DCS event system </a:t>
             </a:r>
             <a:r>
               <a:rPr lang="nl-BE" dirty="0" err="1"/>
@@ -3493,261 +4967,710 @@
             </a:r>
             <a:r>
               <a:rPr lang="nl-BE" dirty="0" err="1"/>
-              <a:t>installation</a:t>
-            </a:r>
-            <a:endParaRPr lang="nl-BE" dirty="0"/>
-          </a:p>
-        </p:txBody>
-      </p:sp>
-      <p:sp>
-        <p:nvSpPr>
-          <p:cNvPr id="3" name="Tijdelijke aanduiding voor inhoud 2"/>
-          <p:cNvSpPr>
-            <a:spLocks noGrp="1"/>
-          </p:cNvSpPr>
-          <p:nvPr>
-            <p:ph idx="1"/>
-          </p:nvPr>
-        </p:nvSpPr>
-        <p:spPr/>
-        <p:txBody>
-          <a:bodyPr/>
+              <a:t>react</a:t>
+            </a:r>
+            <a:r>
+              <a:rPr lang="nl-BE" dirty="0"/>
+              <a:t> </a:t>
+            </a:r>
+            <a:r>
+              <a:rPr lang="nl-BE" dirty="0" err="1"/>
+              <a:t>upon</a:t>
+            </a:r>
+            <a:r>
+              <a:rPr lang="nl-BE" dirty="0"/>
+              <a:t> </a:t>
+            </a:r>
+            <a:r>
+              <a:rPr lang="nl-BE" dirty="0" err="1"/>
+              <a:t>it</a:t>
+            </a:r>
+            <a:r>
+              <a:rPr lang="nl-BE" dirty="0"/>
+              <a:t>, </a:t>
+            </a:r>
+            <a:r>
+              <a:rPr lang="nl-BE" dirty="0" err="1"/>
+              <a:t>improving</a:t>
+            </a:r>
+            <a:r>
+              <a:rPr lang="nl-BE" dirty="0"/>
+              <a:t> performance.</a:t>
+            </a:r>
+          </a:p>
+          <a:p>
+            <a:pPr marL="342900" indent="-342900">
+              <a:buFont typeface="Arial" panose="020B0604020202020204" pitchFamily="34" charset="0"/>
+              <a:buChar char="•"/>
+            </a:pPr>
+            <a:r>
+              <a:rPr lang="nl-BE" dirty="0" err="1"/>
+              <a:t>Provide</a:t>
+            </a:r>
+            <a:r>
+              <a:rPr lang="nl-BE" dirty="0"/>
+              <a:t> </a:t>
+            </a:r>
+            <a:r>
+              <a:rPr lang="nl-BE" dirty="0" err="1"/>
+              <a:t>an</a:t>
+            </a:r>
+            <a:r>
+              <a:rPr lang="nl-BE" dirty="0"/>
+              <a:t> </a:t>
+            </a:r>
+            <a:r>
+              <a:rPr lang="nl-BE" b="1" dirty="0"/>
+              <a:t>off-</a:t>
+            </a:r>
+            <a:r>
+              <a:rPr lang="nl-BE" b="1" dirty="0" err="1"/>
+              <a:t>the</a:t>
+            </a:r>
+            <a:r>
+              <a:rPr lang="nl-BE" b="1" dirty="0"/>
+              <a:t>-</a:t>
+            </a:r>
+            <a:r>
+              <a:rPr lang="nl-BE" b="1" dirty="0" err="1"/>
+              <a:t>shelf</a:t>
+            </a:r>
+            <a:r>
+              <a:rPr lang="nl-BE" b="1" dirty="0"/>
+              <a:t> </a:t>
+            </a:r>
+            <a:r>
+              <a:rPr lang="nl-BE" b="1" dirty="0" err="1"/>
+              <a:t>logging</a:t>
+            </a:r>
+            <a:r>
+              <a:rPr lang="nl-BE" b="1" dirty="0"/>
+              <a:t> system</a:t>
+            </a:r>
+            <a:r>
+              <a:rPr lang="nl-BE" dirty="0"/>
+              <a:t>.</a:t>
+            </a:r>
+          </a:p>
+        </p:txBody>
+      </p:sp>
+      <p:sp>
+        <p:nvSpPr>
+          <p:cNvPr id="12" name="Rechthoek 11"/>
+          <p:cNvSpPr/>
+          <p:nvPr/>
+        </p:nvSpPr>
+        <p:spPr>
+          <a:xfrm>
+            <a:off x="605940" y="2708992"/>
+            <a:ext cx="5040055" cy="3960044"/>
+          </a:xfrm>
+          <a:prstGeom prst="rect">
+            <a:avLst/>
+          </a:prstGeom>
+          <a:solidFill>
+            <a:schemeClr val="tx2">
+              <a:lumMod val="90000"/>
+            </a:schemeClr>
+          </a:solidFill>
+          <a:ln w="28575"/>
+        </p:spPr>
+        <p:style>
+          <a:lnRef idx="2">
+            <a:schemeClr val="accent1"/>
+          </a:lnRef>
+          <a:fillRef idx="1">
+            <a:schemeClr val="lt1"/>
+          </a:fillRef>
+          <a:effectRef idx="0">
+            <a:schemeClr val="accent1"/>
+          </a:effectRef>
+          <a:fontRef idx="minor">
+            <a:schemeClr val="dk1"/>
+          </a:fontRef>
+        </p:style>
+        <p:txBody>
+          <a:bodyPr rtlCol="0" anchor="t"/>
           <a:lstStyle/>
           <a:p>
-            <a:pPr marL="0" indent="0">
-              <a:buNone/>
+            <a:pPr marL="342900" indent="-342900">
+              <a:buFont typeface="Arial" panose="020B0604020202020204" pitchFamily="34" charset="0"/>
+              <a:buChar char="•"/>
             </a:pPr>
             <a:r>
-              <a:rPr lang="nl-BE" b="1" dirty="0" err="1"/>
-              <a:t>Essential</a:t>
-            </a:r>
-            <a:r>
-              <a:rPr lang="nl-BE" b="1" dirty="0"/>
-              <a:t> tools:</a:t>
-            </a:r>
-          </a:p>
-          <a:p>
-            <a:pPr marL="685800" lvl="1" indent="-457200">
+              <a:rPr lang="nl-BE" dirty="0"/>
+              <a:t>Huge </a:t>
+            </a:r>
+            <a:r>
+              <a:rPr lang="nl-BE" dirty="0" err="1"/>
+              <a:t>learning</a:t>
+            </a:r>
+            <a:r>
+              <a:rPr lang="nl-BE" dirty="0"/>
+              <a:t> curve </a:t>
+            </a:r>
+            <a:r>
+              <a:rPr lang="nl-BE" dirty="0" err="1"/>
+              <a:t>learning</a:t>
+            </a:r>
+            <a:r>
+              <a:rPr lang="nl-BE" dirty="0"/>
+              <a:t> </a:t>
+            </a:r>
+            <a:r>
+              <a:rPr lang="nl-BE" dirty="0" err="1"/>
+              <a:t>the</a:t>
+            </a:r>
+            <a:r>
+              <a:rPr lang="nl-BE" dirty="0"/>
+              <a:t> DCS </a:t>
+            </a:r>
+            <a:r>
+              <a:rPr lang="nl-BE" dirty="0" err="1"/>
+              <a:t>scripting</a:t>
+            </a:r>
+            <a:r>
+              <a:rPr lang="nl-BE" dirty="0"/>
+              <a:t> engine </a:t>
+            </a:r>
+            <a:r>
+              <a:rPr lang="nl-BE" dirty="0" err="1"/>
+              <a:t>APIs</a:t>
+            </a:r>
+            <a:r>
+              <a:rPr lang="nl-BE" dirty="0"/>
+              <a:t> .</a:t>
+            </a:r>
+          </a:p>
+          <a:p>
+            <a:pPr marL="342900" indent="-342900">
+              <a:buFont typeface="Arial" panose="020B0604020202020204" pitchFamily="34" charset="0"/>
+              <a:buChar char="•"/>
+            </a:pPr>
+            <a:r>
+              <a:rPr lang="nl-BE" dirty="0"/>
+              <a:t>Lots of well </a:t>
+            </a:r>
+            <a:r>
+              <a:rPr lang="nl-BE" dirty="0" err="1"/>
+              <a:t>written</a:t>
+            </a:r>
+            <a:r>
+              <a:rPr lang="nl-BE" dirty="0"/>
+              <a:t> scripts </a:t>
+            </a:r>
+            <a:r>
+              <a:rPr lang="nl-BE" dirty="0" err="1"/>
+              <a:t>from</a:t>
+            </a:r>
+            <a:r>
+              <a:rPr lang="nl-BE" dirty="0"/>
+              <a:t> </a:t>
+            </a:r>
+            <a:r>
+              <a:rPr lang="nl-BE" dirty="0" err="1"/>
+              <a:t>the</a:t>
+            </a:r>
+            <a:r>
+              <a:rPr lang="nl-BE" dirty="0"/>
+              <a:t> community, but hard </a:t>
+            </a:r>
+            <a:r>
+              <a:rPr lang="nl-BE" dirty="0" err="1"/>
+              <a:t>to</a:t>
+            </a:r>
+            <a:r>
+              <a:rPr lang="nl-BE" dirty="0"/>
+              <a:t> combine in </a:t>
+            </a:r>
+            <a:r>
+              <a:rPr lang="nl-BE" dirty="0" err="1"/>
+              <a:t>scenarios</a:t>
+            </a:r>
+            <a:r>
+              <a:rPr lang="nl-BE" dirty="0"/>
+              <a:t>, </a:t>
+            </a:r>
+            <a:r>
+              <a:rPr lang="nl-BE" dirty="0" err="1"/>
+              <a:t>and</a:t>
+            </a:r>
+            <a:r>
+              <a:rPr lang="nl-BE" dirty="0"/>
+              <a:t> no </a:t>
+            </a:r>
+            <a:r>
+              <a:rPr lang="nl-BE" dirty="0" err="1"/>
+              <a:t>standards</a:t>
+            </a:r>
+            <a:r>
+              <a:rPr lang="nl-BE" dirty="0"/>
+              <a:t>.</a:t>
+            </a:r>
+          </a:p>
+          <a:p>
+            <a:pPr marL="342900" indent="-342900">
+              <a:buFont typeface="Arial" panose="020B0604020202020204" pitchFamily="34" charset="0"/>
+              <a:buChar char="•"/>
+            </a:pPr>
+            <a:r>
+              <a:rPr lang="nl-BE" dirty="0"/>
+              <a:t>DCS API set </a:t>
+            </a:r>
+            <a:r>
+              <a:rPr lang="nl-BE" dirty="0" err="1"/>
+              <a:t>can</a:t>
+            </a:r>
+            <a:r>
+              <a:rPr lang="nl-BE" dirty="0"/>
+              <a:t> (</a:t>
+            </a:r>
+            <a:r>
+              <a:rPr lang="nl-BE" dirty="0" err="1"/>
+              <a:t>still</a:t>
+            </a:r>
+            <a:r>
+              <a:rPr lang="nl-BE" dirty="0"/>
+              <a:t>) </a:t>
+            </a:r>
+            <a:r>
+              <a:rPr lang="nl-BE" dirty="0" err="1"/>
+              <a:t>contain</a:t>
+            </a:r>
+            <a:r>
+              <a:rPr lang="nl-BE" dirty="0"/>
+              <a:t> bugs, </a:t>
+            </a:r>
+            <a:r>
+              <a:rPr lang="nl-BE" dirty="0" err="1"/>
+              <a:t>which</a:t>
+            </a:r>
+            <a:r>
+              <a:rPr lang="nl-BE" dirty="0"/>
+              <a:t> </a:t>
+            </a:r>
+            <a:r>
+              <a:rPr lang="nl-BE" dirty="0" err="1"/>
+              <a:t>can</a:t>
+            </a:r>
+            <a:r>
+              <a:rPr lang="nl-BE" dirty="0"/>
+              <a:t> have a large impact </a:t>
+            </a:r>
+            <a:r>
+              <a:rPr lang="nl-BE" dirty="0" err="1"/>
+              <a:t>to</a:t>
+            </a:r>
+            <a:r>
+              <a:rPr lang="nl-BE" dirty="0"/>
+              <a:t> </a:t>
+            </a:r>
+            <a:r>
+              <a:rPr lang="nl-BE" dirty="0" err="1"/>
+              <a:t>your</a:t>
+            </a:r>
+            <a:r>
+              <a:rPr lang="nl-BE" dirty="0"/>
+              <a:t> code.</a:t>
+            </a:r>
+          </a:p>
+          <a:p>
+            <a:pPr marL="342900" indent="-342900">
+              <a:buFont typeface="Arial" panose="020B0604020202020204" pitchFamily="34" charset="0"/>
+              <a:buChar char="•"/>
+            </a:pPr>
+            <a:r>
+              <a:rPr lang="nl-BE" dirty="0" err="1"/>
+              <a:t>Lua</a:t>
+            </a:r>
+            <a:r>
+              <a:rPr lang="nl-BE" dirty="0"/>
+              <a:t> </a:t>
+            </a:r>
+            <a:r>
+              <a:rPr lang="nl-BE" dirty="0" err="1"/>
+              <a:t>coding</a:t>
+            </a:r>
+            <a:r>
+              <a:rPr lang="nl-BE" dirty="0"/>
+              <a:t> spread out over </a:t>
+            </a:r>
+            <a:r>
+              <a:rPr lang="nl-BE" dirty="0" err="1"/>
+              <a:t>one</a:t>
+            </a:r>
+            <a:r>
+              <a:rPr lang="nl-BE" dirty="0"/>
+              <a:t> mission file:</a:t>
+            </a:r>
+          </a:p>
+          <a:p>
+            <a:pPr marL="800100" lvl="1" indent="-342900">
+              <a:buFont typeface="Arial" panose="020B0604020202020204" pitchFamily="34" charset="0"/>
+              <a:buChar char="•"/>
+            </a:pPr>
+            <a:r>
+              <a:rPr lang="nl-BE" dirty="0"/>
+              <a:t>In triggers “DO SCRIPT” </a:t>
+            </a:r>
+            <a:r>
+              <a:rPr lang="nl-BE" dirty="0" err="1"/>
+              <a:t>sections</a:t>
+            </a:r>
+            <a:r>
+              <a:rPr lang="nl-BE" dirty="0"/>
+              <a:t>.</a:t>
+            </a:r>
+          </a:p>
+          <a:p>
+            <a:pPr marL="800100" lvl="1" indent="-342900">
+              <a:buFont typeface="Arial" panose="020B0604020202020204" pitchFamily="34" charset="0"/>
+              <a:buChar char="•"/>
+            </a:pPr>
+            <a:r>
+              <a:rPr lang="nl-BE" dirty="0"/>
+              <a:t>In </a:t>
+            </a:r>
+            <a:r>
+              <a:rPr lang="nl-BE" dirty="0" err="1"/>
+              <a:t>lua</a:t>
+            </a:r>
+            <a:r>
+              <a:rPr lang="nl-BE" dirty="0"/>
+              <a:t> </a:t>
+            </a:r>
+            <a:r>
+              <a:rPr lang="nl-BE" dirty="0" err="1"/>
+              <a:t>predicates</a:t>
+            </a:r>
+            <a:r>
+              <a:rPr lang="nl-BE" dirty="0"/>
+              <a:t>.</a:t>
+            </a:r>
+          </a:p>
+          <a:p>
+            <a:pPr marL="800100" lvl="1" indent="-342900">
+              <a:buFont typeface="Arial" panose="020B0604020202020204" pitchFamily="34" charset="0"/>
+              <a:buChar char="•"/>
+            </a:pPr>
+            <a:r>
+              <a:rPr lang="nl-BE" dirty="0"/>
+              <a:t>In </a:t>
+            </a:r>
+            <a:r>
+              <a:rPr lang="nl-BE" dirty="0" err="1"/>
+              <a:t>waypoint</a:t>
+            </a:r>
+            <a:r>
+              <a:rPr lang="nl-BE" dirty="0"/>
+              <a:t> actions.</a:t>
+            </a:r>
+          </a:p>
+          <a:p>
+            <a:pPr marL="800100" lvl="1" indent="-342900">
+              <a:buFont typeface="Arial" panose="020B0604020202020204" pitchFamily="34" charset="0"/>
+              <a:buChar char="•"/>
+            </a:pPr>
+            <a:r>
+              <a:rPr lang="nl-BE" dirty="0"/>
+              <a:t>…</a:t>
+            </a:r>
+          </a:p>
+          <a:p>
+            <a:pPr marL="342900" indent="-342900">
+              <a:buFont typeface="Arial" panose="020B0604020202020204" pitchFamily="34" charset="0"/>
+              <a:buChar char="•"/>
+            </a:pPr>
+            <a:r>
+              <a:rPr lang="nl-BE" dirty="0"/>
+              <a:t>Workflow is hard </a:t>
+            </a:r>
+            <a:r>
+              <a:rPr lang="nl-BE" dirty="0" err="1"/>
+              <a:t>to</a:t>
+            </a:r>
+            <a:r>
+              <a:rPr lang="nl-BE" dirty="0"/>
+              <a:t> follow </a:t>
+            </a:r>
+            <a:r>
+              <a:rPr lang="nl-BE" dirty="0" err="1"/>
+              <a:t>with</a:t>
+            </a:r>
+            <a:r>
+              <a:rPr lang="nl-BE" dirty="0"/>
+              <a:t> </a:t>
+            </a:r>
+            <a:r>
+              <a:rPr lang="nl-BE" dirty="0" err="1"/>
+              <a:t>the</a:t>
+            </a:r>
+            <a:r>
+              <a:rPr lang="nl-BE" dirty="0"/>
+              <a:t> </a:t>
+            </a:r>
+            <a:r>
+              <a:rPr lang="nl-BE" dirty="0" err="1"/>
+              <a:t>tigger</a:t>
+            </a:r>
+            <a:r>
+              <a:rPr lang="nl-BE" dirty="0"/>
+              <a:t> </a:t>
+            </a:r>
+            <a:r>
+              <a:rPr lang="nl-BE" dirty="0" err="1"/>
+              <a:t>mechanism</a:t>
+            </a:r>
+            <a:r>
+              <a:rPr lang="nl-BE" dirty="0"/>
+              <a:t> (</a:t>
+            </a:r>
+            <a:r>
+              <a:rPr lang="nl-BE" dirty="0" err="1"/>
+              <a:t>flags</a:t>
+            </a:r>
+            <a:r>
+              <a:rPr lang="nl-BE" dirty="0"/>
+              <a:t>).</a:t>
+            </a:r>
+          </a:p>
+          <a:p>
+            <a:pPr marL="800100" lvl="1" indent="-342900">
               <a:buFont typeface="+mj-lt"/>
               <a:buAutoNum type="arabicPeriod"/>
             </a:pPr>
             <a:endParaRPr lang="nl-BE" dirty="0"/>
           </a:p>
           <a:p>
-            <a:pPr marL="685800" lvl="1" indent="-457200">
+            <a:pPr marL="342900" indent="-342900">
               <a:buFont typeface="+mj-lt"/>
               <a:buAutoNum type="arabicPeriod"/>
             </a:pPr>
-            <a:r>
-              <a:rPr lang="nl-BE" dirty="0"/>
-              <a:t>JAVA run-time: </a:t>
-            </a:r>
-            <a:r>
-              <a:rPr lang="nl-BE" dirty="0" err="1"/>
-              <a:t>Needed</a:t>
-            </a:r>
-            <a:r>
-              <a:rPr lang="nl-BE" dirty="0"/>
-              <a:t> </a:t>
-            </a:r>
-            <a:r>
-              <a:rPr lang="nl-BE" dirty="0" err="1"/>
-              <a:t>for</a:t>
-            </a:r>
-            <a:r>
-              <a:rPr lang="nl-BE" dirty="0"/>
-              <a:t> </a:t>
-            </a:r>
-            <a:r>
-              <a:rPr lang="nl-BE" dirty="0" err="1"/>
-              <a:t>Eclipse</a:t>
-            </a:r>
-            <a:r>
-              <a:rPr lang="nl-BE" dirty="0"/>
-              <a:t>.</a:t>
-            </a:r>
-          </a:p>
-          <a:p>
-            <a:pPr marL="685800" lvl="1" indent="-457200">
-              <a:buFont typeface="+mj-lt"/>
-              <a:buAutoNum type="arabicPeriod"/>
-            </a:pPr>
-            <a:r>
-              <a:rPr lang="nl-BE" dirty="0" err="1"/>
-              <a:t>Eclipse</a:t>
-            </a:r>
-            <a:r>
-              <a:rPr lang="nl-BE" dirty="0"/>
-              <a:t> LDT: A </a:t>
-            </a:r>
-            <a:r>
-              <a:rPr lang="nl-BE" dirty="0" err="1"/>
-              <a:t>lua</a:t>
-            </a:r>
-            <a:r>
-              <a:rPr lang="nl-BE" dirty="0"/>
-              <a:t> editor</a:t>
-            </a:r>
-          </a:p>
-          <a:p>
-            <a:pPr marL="685800" lvl="1" indent="-457200">
-              <a:buFont typeface="+mj-lt"/>
-              <a:buAutoNum type="arabicPeriod"/>
-            </a:pPr>
-            <a:r>
-              <a:rPr lang="nl-BE" dirty="0" err="1"/>
-              <a:t>LogExpert</a:t>
-            </a:r>
-            <a:r>
-              <a:rPr lang="nl-BE" dirty="0"/>
-              <a:t>: </a:t>
-            </a:r>
-            <a:r>
-              <a:rPr lang="nl-BE" dirty="0" err="1"/>
-              <a:t>Logging</a:t>
-            </a:r>
-            <a:r>
-              <a:rPr lang="nl-BE" dirty="0"/>
-              <a:t> </a:t>
-            </a:r>
-            <a:r>
-              <a:rPr lang="nl-BE" dirty="0" err="1"/>
-              <a:t>trailing</a:t>
-            </a:r>
-            <a:r>
-              <a:rPr lang="nl-BE" dirty="0"/>
-              <a:t>.</a:t>
-            </a:r>
-          </a:p>
-          <a:p>
-            <a:pPr marL="685800" lvl="1" indent="-457200">
-              <a:buFont typeface="+mj-lt"/>
-              <a:buAutoNum type="arabicPeriod"/>
-            </a:pPr>
-            <a:r>
-              <a:rPr lang="nl-BE" dirty="0"/>
-              <a:t>GitHub: Source code </a:t>
-            </a:r>
-            <a:r>
-              <a:rPr lang="nl-BE" dirty="0" err="1"/>
-              <a:t>version</a:t>
-            </a:r>
-            <a:r>
-              <a:rPr lang="nl-BE" dirty="0"/>
-              <a:t> management </a:t>
-            </a:r>
-            <a:r>
-              <a:rPr lang="nl-BE" dirty="0" err="1"/>
-              <a:t>and</a:t>
-            </a:r>
-            <a:r>
-              <a:rPr lang="nl-BE" dirty="0"/>
-              <a:t> </a:t>
-            </a:r>
-            <a:r>
-              <a:rPr lang="nl-BE" dirty="0" err="1"/>
-              <a:t>sharing</a:t>
-            </a:r>
-            <a:r>
-              <a:rPr lang="nl-BE" dirty="0"/>
-              <a:t>.</a:t>
-            </a:r>
-          </a:p>
-          <a:p>
-            <a:pPr marL="685800" lvl="1" indent="-457200">
-              <a:buFont typeface="+mj-lt"/>
-              <a:buAutoNum type="arabicPeriod"/>
-            </a:pPr>
-            <a:r>
-              <a:rPr lang="nl-BE" dirty="0" err="1"/>
-              <a:t>GoodSync</a:t>
-            </a:r>
-            <a:r>
-              <a:rPr lang="nl-BE" dirty="0"/>
-              <a:t>: File </a:t>
-            </a:r>
-            <a:r>
-              <a:rPr lang="nl-BE" dirty="0" err="1"/>
-              <a:t>synchronization</a:t>
-            </a:r>
-            <a:r>
-              <a:rPr lang="nl-BE" dirty="0"/>
-              <a:t>.</a:t>
-            </a:r>
-          </a:p>
-          <a:p>
-            <a:pPr marL="228600" lvl="1" indent="0">
-              <a:buNone/>
-            </a:pPr>
             <a:endParaRPr lang="nl-BE" dirty="0"/>
           </a:p>
-          <a:p>
-            <a:r>
-              <a:rPr lang="nl-BE" sz="1800" dirty="0" err="1"/>
-              <a:t>Note</a:t>
-            </a:r>
-            <a:r>
-              <a:rPr lang="nl-BE" sz="1800" dirty="0"/>
-              <a:t>: We </a:t>
-            </a:r>
-            <a:r>
-              <a:rPr lang="nl-BE" sz="1800" dirty="0" err="1"/>
-              <a:t>use</a:t>
-            </a:r>
-            <a:r>
-              <a:rPr lang="nl-BE" sz="1800" dirty="0"/>
-              <a:t> 64-bit </a:t>
-            </a:r>
-            <a:r>
-              <a:rPr lang="nl-BE" sz="1800" dirty="0" err="1"/>
-              <a:t>versions</a:t>
-            </a:r>
-            <a:r>
-              <a:rPr lang="nl-BE" sz="1800" dirty="0"/>
-              <a:t> of </a:t>
-            </a:r>
-            <a:r>
-              <a:rPr lang="nl-BE" sz="1800" dirty="0" err="1"/>
-              <a:t>all</a:t>
-            </a:r>
-            <a:r>
-              <a:rPr lang="nl-BE" sz="1800" dirty="0"/>
-              <a:t> </a:t>
-            </a:r>
-            <a:r>
-              <a:rPr lang="nl-BE" sz="1800" dirty="0" err="1"/>
+        </p:txBody>
+      </p:sp>
+      <p:sp>
+        <p:nvSpPr>
+          <p:cNvPr id="13" name="Rechthoek 12"/>
+          <p:cNvSpPr/>
+          <p:nvPr/>
+        </p:nvSpPr>
+        <p:spPr>
+          <a:xfrm>
+            <a:off x="605939" y="2168986"/>
+            <a:ext cx="5040055" cy="540006"/>
+          </a:xfrm>
+          <a:prstGeom prst="rect">
+            <a:avLst/>
+          </a:prstGeom>
+          <a:solidFill>
+            <a:schemeClr val="accent1"/>
+          </a:solidFill>
+          <a:ln w="28575"/>
+        </p:spPr>
+        <p:style>
+          <a:lnRef idx="2">
+            <a:schemeClr val="accent1"/>
+          </a:lnRef>
+          <a:fillRef idx="1">
+            <a:schemeClr val="lt1"/>
+          </a:fillRef>
+          <a:effectRef idx="0">
+            <a:schemeClr val="accent1"/>
+          </a:effectRef>
+          <a:fontRef idx="minor">
+            <a:schemeClr val="dk1"/>
+          </a:fontRef>
+        </p:style>
+        <p:txBody>
+          <a:bodyPr rtlCol="0" anchor="ctr"/>
+          <a:lstStyle/>
+          <a:p>
+            <a:pPr algn="ctr"/>
+            <a:r>
+              <a:rPr lang="nl-BE" b="1" dirty="0" err="1">
+                <a:solidFill>
+                  <a:schemeClr val="tx1"/>
+                </a:solidFill>
+              </a:rPr>
+              <a:t>What</a:t>
+            </a:r>
+            <a:r>
+              <a:rPr lang="nl-BE" b="1" dirty="0">
+                <a:solidFill>
+                  <a:schemeClr val="tx1"/>
+                </a:solidFill>
+              </a:rPr>
+              <a:t> I </a:t>
+            </a:r>
+            <a:r>
+              <a:rPr lang="nl-BE" b="1" dirty="0" err="1">
+                <a:solidFill>
+                  <a:schemeClr val="tx1"/>
+                </a:solidFill>
+              </a:rPr>
+              <a:t>experienced</a:t>
+            </a:r>
+            <a:r>
+              <a:rPr lang="nl-BE" b="1" dirty="0">
+                <a:solidFill>
+                  <a:schemeClr val="tx1"/>
+                </a:solidFill>
+              </a:rPr>
+              <a:t> as a Mission Designer</a:t>
+            </a:r>
+          </a:p>
+        </p:txBody>
+      </p:sp>
+      <p:sp>
+        <p:nvSpPr>
+          <p:cNvPr id="14" name="Rechthoek 13"/>
+          <p:cNvSpPr/>
+          <p:nvPr/>
+        </p:nvSpPr>
+        <p:spPr>
+          <a:xfrm>
+            <a:off x="6546004" y="2168986"/>
+            <a:ext cx="5040057" cy="540006"/>
+          </a:xfrm>
+          <a:prstGeom prst="rect">
+            <a:avLst/>
+          </a:prstGeom>
+          <a:solidFill>
+            <a:schemeClr val="accent1"/>
+          </a:solidFill>
+          <a:ln w="28575"/>
+        </p:spPr>
+        <p:style>
+          <a:lnRef idx="2">
+            <a:schemeClr val="accent1"/>
+          </a:lnRef>
+          <a:fillRef idx="1">
+            <a:schemeClr val="lt1"/>
+          </a:fillRef>
+          <a:effectRef idx="0">
+            <a:schemeClr val="accent1"/>
+          </a:effectRef>
+          <a:fontRef idx="minor">
+            <a:schemeClr val="dk1"/>
+          </a:fontRef>
+        </p:style>
+        <p:txBody>
+          <a:bodyPr rtlCol="0" anchor="ctr"/>
+          <a:lstStyle/>
+          <a:p>
+            <a:pPr algn="ctr"/>
+            <a:r>
+              <a:rPr lang="nl-BE" b="1" dirty="0" err="1">
+                <a:solidFill>
+                  <a:schemeClr val="tx1"/>
+                </a:solidFill>
+              </a:rPr>
+              <a:t>Why</a:t>
+            </a:r>
+            <a:r>
+              <a:rPr lang="nl-BE" b="1" dirty="0">
+                <a:solidFill>
+                  <a:schemeClr val="tx1"/>
+                </a:solidFill>
+              </a:rPr>
+              <a:t> I </a:t>
+            </a:r>
+            <a:r>
+              <a:rPr lang="nl-BE" b="1" dirty="0" err="1">
+                <a:solidFill>
+                  <a:schemeClr val="tx1"/>
+                </a:solidFill>
+              </a:rPr>
+              <a:t>started</a:t>
+            </a:r>
+            <a:r>
+              <a:rPr lang="nl-BE" b="1" dirty="0">
+                <a:solidFill>
+                  <a:schemeClr val="tx1"/>
+                </a:solidFill>
+              </a:rPr>
+              <a:t> </a:t>
+            </a:r>
+            <a:r>
+              <a:rPr lang="nl-BE" b="1" dirty="0" err="1">
+                <a:solidFill>
+                  <a:schemeClr val="tx1"/>
+                </a:solidFill>
+              </a:rPr>
+              <a:t>with</a:t>
+            </a:r>
+            <a:r>
+              <a:rPr lang="nl-BE" b="1" dirty="0">
+                <a:solidFill>
+                  <a:schemeClr val="tx1"/>
+                </a:solidFill>
+              </a:rPr>
+              <a:t> </a:t>
+            </a:r>
+            <a:r>
+              <a:rPr lang="nl-BE" b="1" dirty="0" err="1">
+                <a:solidFill>
+                  <a:schemeClr val="tx1"/>
+                </a:solidFill>
+              </a:rPr>
               <a:t>the</a:t>
             </a:r>
             <a:r>
-              <a:rPr lang="nl-BE" sz="1800" dirty="0"/>
-              <a:t> tools (</a:t>
-            </a:r>
-            <a:r>
-              <a:rPr lang="nl-BE" sz="1800" dirty="0" err="1"/>
-              <a:t>where</a:t>
-            </a:r>
-            <a:r>
-              <a:rPr lang="nl-BE" sz="1800" dirty="0"/>
-              <a:t> </a:t>
-            </a:r>
-            <a:r>
-              <a:rPr lang="nl-BE" sz="1800" dirty="0" err="1"/>
-              <a:t>available</a:t>
-            </a:r>
-            <a:r>
-              <a:rPr lang="nl-BE" sz="1800" dirty="0"/>
-              <a:t>) as DCS WORLD is a 64-bit system.</a:t>
-            </a:r>
-          </a:p>
-          <a:p>
-            <a:endParaRPr lang="nl-BE" dirty="0"/>
+              <a:rPr lang="nl-BE" b="1" dirty="0">
+                <a:solidFill>
+                  <a:schemeClr val="tx1"/>
+                </a:solidFill>
+              </a:rPr>
+              <a:t> MOOSE Framework</a:t>
+            </a:r>
+          </a:p>
+        </p:txBody>
+      </p:sp>
+      <p:sp>
+        <p:nvSpPr>
+          <p:cNvPr id="15" name="Pijl-rechts 14"/>
+          <p:cNvSpPr/>
+          <p:nvPr/>
+        </p:nvSpPr>
+        <p:spPr>
+          <a:xfrm>
+            <a:off x="5825997" y="3338999"/>
+            <a:ext cx="540006" cy="2520028"/>
+          </a:xfrm>
+          <a:prstGeom prst="rightArrow">
+            <a:avLst/>
+          </a:prstGeom>
+          <a:ln/>
+        </p:spPr>
+        <p:style>
+          <a:lnRef idx="3">
+            <a:schemeClr val="lt1"/>
+          </a:lnRef>
+          <a:fillRef idx="1">
+            <a:schemeClr val="accent1"/>
+          </a:fillRef>
+          <a:effectRef idx="1">
+            <a:schemeClr val="accent1"/>
+          </a:effectRef>
+          <a:fontRef idx="minor">
+            <a:schemeClr val="lt1"/>
+          </a:fontRef>
+        </p:style>
+        <p:txBody>
+          <a:bodyPr rtlCol="0" anchor="ctr"/>
+          <a:lstStyle/>
+          <a:p>
+            <a:pPr algn="ctr"/>
+            <a:endParaRPr lang="nl-BE"/>
           </a:p>
         </p:txBody>
       </p:sp>
     </p:spTree>
     <p:extLst>
       <p:ext uri="{BB962C8B-B14F-4D97-AF65-F5344CB8AC3E}">
-        <p14:creationId xmlns:p14="http://schemas.microsoft.com/office/powerpoint/2010/main" val="4164425452"/>
+        <p14:creationId xmlns:p14="http://schemas.microsoft.com/office/powerpoint/2010/main" val="1041836101"/>
       </p:ext>
     </p:extLst>
   </p:cSld>
@@ -3790,8 +5713,36 @@
           <a:lstStyle/>
           <a:p>
             <a:r>
-              <a:rPr lang="nl-BE" dirty="0"/>
-              <a:t>1. JAVA run-time</a:t>
+              <a:rPr lang="nl-BE" dirty="0" err="1"/>
+              <a:t>Lessons</a:t>
+            </a:r>
+            <a:r>
+              <a:rPr lang="nl-BE" dirty="0"/>
+              <a:t> </a:t>
+            </a:r>
+            <a:r>
+              <a:rPr lang="nl-BE" dirty="0" err="1"/>
+              <a:t>learned</a:t>
+            </a:r>
+            <a:r>
+              <a:rPr lang="nl-BE" dirty="0"/>
+              <a:t> </a:t>
+            </a:r>
+            <a:r>
+              <a:rPr lang="nl-BE" dirty="0" err="1"/>
+              <a:t>from</a:t>
+            </a:r>
+            <a:r>
+              <a:rPr lang="nl-BE" dirty="0"/>
+              <a:t> users of </a:t>
+            </a:r>
+            <a:r>
+              <a:rPr lang="nl-BE" dirty="0" err="1"/>
+              <a:t>moose</a:t>
+            </a:r>
+            <a:r>
+              <a:rPr lang="nl-BE" dirty="0"/>
+              <a:t> …</a:t>
             </a:r>
           </a:p>
         </p:txBody>
@@ -3811,23 +5762,31 @@
           <a:bodyPr/>
           <a:lstStyle/>
           <a:p>
-            <a:pPr marL="0" indent="0">
-              <a:buNone/>
-            </a:pPr>
-            <a:r>
-              <a:rPr lang="nl-BE" b="1" dirty="0"/>
-              <a:t>JAVA Run-Time</a:t>
-            </a:r>
-          </a:p>
-          <a:p>
-            <a:pPr lvl="1"/>
-            <a:r>
-              <a:rPr lang="nl-BE" dirty="0" err="1"/>
-              <a:t>Needed</a:t>
-            </a:r>
-            <a:r>
-              <a:rPr lang="nl-BE" dirty="0"/>
-              <a:t> </a:t>
+            <a:r>
+              <a:rPr lang="nl-BE" dirty="0"/>
+              <a:t>The Moose development environment was </a:t>
+            </a:r>
+            <a:r>
+              <a:rPr lang="nl-BE" dirty="0" err="1"/>
+              <a:t>not</a:t>
+            </a:r>
+            <a:r>
+              <a:rPr lang="nl-BE" dirty="0"/>
+              <a:t> </a:t>
+            </a:r>
+            <a:r>
+              <a:rPr lang="nl-BE" dirty="0" err="1"/>
+              <a:t>understood</a:t>
+            </a:r>
+            <a:r>
+              <a:rPr lang="nl-BE" dirty="0"/>
+              <a:t>.</a:t>
+            </a:r>
+          </a:p>
+          <a:p>
+            <a:r>
+              <a:rPr lang="nl-BE" dirty="0"/>
+              <a:t>How </a:t>
             </a:r>
             <a:r>
               <a:rPr lang="nl-BE" dirty="0" err="1"/>
@@ -3835,22 +5794,173 @@
             </a:r>
             <a:r>
               <a:rPr lang="nl-BE" dirty="0"/>
-              <a:t> run </a:t>
-            </a:r>
-            <a:r>
-              <a:rPr lang="nl-BE" dirty="0" err="1"/>
-              <a:t>Eclipse</a:t>
-            </a:r>
-            <a:r>
-              <a:rPr lang="nl-BE" dirty="0"/>
-              <a:t>. </a:t>
-            </a:r>
-          </a:p>
-          <a:p>
-            <a:pPr lvl="1"/>
-            <a:r>
-              <a:rPr lang="nl-BE" dirty="0"/>
-              <a:t>Download </a:t>
+              <a:t> manage “Moose” in </a:t>
+            </a:r>
+            <a:r>
+              <a:rPr lang="nl-BE" dirty="0" err="1"/>
+              <a:t>general</a:t>
+            </a:r>
+            <a:r>
+              <a:rPr lang="nl-BE" dirty="0"/>
+              <a:t>.</a:t>
+            </a:r>
+          </a:p>
+          <a:p>
+            <a:r>
+              <a:rPr lang="nl-BE" dirty="0" err="1"/>
+              <a:t>Some</a:t>
+            </a:r>
+            <a:r>
+              <a:rPr lang="nl-BE" dirty="0"/>
+              <a:t> </a:t>
+            </a:r>
+            <a:r>
+              <a:rPr lang="nl-BE" dirty="0" err="1"/>
+              <a:t>people</a:t>
+            </a:r>
+            <a:r>
+              <a:rPr lang="nl-BE" dirty="0"/>
+              <a:t> are new </a:t>
+            </a:r>
+            <a:r>
+              <a:rPr lang="nl-BE" dirty="0" err="1"/>
+              <a:t>to</a:t>
+            </a:r>
+            <a:r>
+              <a:rPr lang="nl-BE" dirty="0"/>
+              <a:t> scripting.</a:t>
+            </a:r>
+          </a:p>
+          <a:p>
+            <a:r>
+              <a:rPr lang="nl-BE" dirty="0"/>
+              <a:t>People </a:t>
+            </a:r>
+            <a:r>
+              <a:rPr lang="nl-BE" dirty="0" err="1"/>
+              <a:t>don’t</a:t>
+            </a:r>
+            <a:r>
+              <a:rPr lang="nl-BE" dirty="0"/>
+              <a:t> </a:t>
+            </a:r>
+            <a:r>
+              <a:rPr lang="nl-BE" dirty="0" err="1"/>
+              <a:t>know</a:t>
+            </a:r>
+            <a:r>
+              <a:rPr lang="nl-BE" dirty="0"/>
+              <a:t> </a:t>
+            </a:r>
+            <a:r>
+              <a:rPr lang="nl-BE" dirty="0" err="1"/>
+              <a:t>lua</a:t>
+            </a:r>
+            <a:r>
+              <a:rPr lang="nl-BE" dirty="0"/>
+              <a:t> (</a:t>
+            </a:r>
+            <a:r>
+              <a:rPr lang="nl-BE" dirty="0" err="1"/>
+              <a:t>yet</a:t>
+            </a:r>
+            <a:r>
+              <a:rPr lang="nl-BE" dirty="0"/>
+              <a:t>), a new </a:t>
+            </a:r>
+            <a:r>
+              <a:rPr lang="nl-BE" dirty="0" err="1"/>
+              <a:t>language</a:t>
+            </a:r>
+            <a:r>
+              <a:rPr lang="nl-BE" dirty="0"/>
+              <a:t> </a:t>
+            </a:r>
+            <a:r>
+              <a:rPr lang="nl-BE" dirty="0" err="1"/>
+              <a:t>for</a:t>
+            </a:r>
+            <a:r>
+              <a:rPr lang="nl-BE" dirty="0"/>
+              <a:t> </a:t>
+            </a:r>
+            <a:r>
+              <a:rPr lang="nl-BE" dirty="0" err="1"/>
+              <a:t>them</a:t>
+            </a:r>
+            <a:r>
+              <a:rPr lang="nl-BE" dirty="0"/>
+              <a:t>.</a:t>
+            </a:r>
+          </a:p>
+          <a:p>
+            <a:r>
+              <a:rPr lang="nl-BE" dirty="0"/>
+              <a:t>How </a:t>
+            </a:r>
+            <a:r>
+              <a:rPr lang="nl-BE" dirty="0" err="1"/>
+              <a:t>to</a:t>
+            </a:r>
+            <a:r>
+              <a:rPr lang="nl-BE" dirty="0"/>
+              <a:t> setup a first mission?</a:t>
+            </a:r>
+          </a:p>
+          <a:p>
+            <a:r>
+              <a:rPr lang="nl-BE" dirty="0" err="1"/>
+              <a:t>What</a:t>
+            </a:r>
+            <a:r>
+              <a:rPr lang="nl-BE" dirty="0"/>
+              <a:t> are </a:t>
+            </a:r>
+            <a:r>
+              <a:rPr lang="nl-BE" dirty="0" err="1"/>
+              <a:t>all</a:t>
+            </a:r>
+            <a:r>
+              <a:rPr lang="nl-BE" dirty="0"/>
+              <a:t> these classes </a:t>
+            </a:r>
+            <a:r>
+              <a:rPr lang="nl-BE" dirty="0" err="1"/>
+              <a:t>for</a:t>
+            </a:r>
+            <a:r>
+              <a:rPr lang="nl-BE" dirty="0"/>
+              <a:t>?</a:t>
+            </a:r>
+          </a:p>
+          <a:p>
+            <a:r>
+              <a:rPr lang="nl-BE" dirty="0"/>
+              <a:t>How </a:t>
+            </a:r>
+            <a:r>
+              <a:rPr lang="nl-BE" dirty="0" err="1"/>
+              <a:t>to</a:t>
+            </a:r>
+            <a:r>
+              <a:rPr lang="nl-BE" dirty="0"/>
+              <a:t> </a:t>
+            </a:r>
+            <a:r>
+              <a:rPr lang="nl-BE" dirty="0" err="1"/>
+              <a:t>find</a:t>
+            </a:r>
+            <a:r>
+              <a:rPr lang="nl-BE" dirty="0"/>
+              <a:t> </a:t>
+            </a:r>
+            <a:r>
+              <a:rPr lang="nl-BE" dirty="0" err="1"/>
+              <a:t>errors</a:t>
+            </a:r>
+            <a:r>
+              <a:rPr lang="nl-BE" dirty="0"/>
+              <a:t> in </a:t>
             </a:r>
             <a:r>
               <a:rPr lang="nl-BE" dirty="0" err="1"/>
@@ -3858,62 +5968,21 @@
             </a:r>
             <a:r>
               <a:rPr lang="nl-BE" dirty="0"/>
-              <a:t> 64-bit </a:t>
-            </a:r>
-            <a:r>
-              <a:rPr lang="nl-BE" dirty="0" err="1"/>
-              <a:t>version</a:t>
-            </a:r>
-            <a:r>
-              <a:rPr lang="nl-BE" dirty="0"/>
-              <a:t> </a:t>
-            </a:r>
-            <a:r>
-              <a:rPr lang="nl-BE" dirty="0" err="1"/>
-              <a:t>from</a:t>
-            </a:r>
-            <a:r>
-              <a:rPr lang="nl-BE" dirty="0"/>
-              <a:t> Oracle: </a:t>
-            </a:r>
-            <a:r>
-              <a:rPr lang="nl-BE" dirty="0">
-                <a:hlinkClick r:id="rId2"/>
-              </a:rPr>
-              <a:t>http://www.java.com/en/download/manual.jsp</a:t>
-            </a:r>
-            <a:endParaRPr lang="nl-BE" dirty="0"/>
-          </a:p>
-          <a:p>
-            <a:r>
-              <a:rPr lang="nl-BE" dirty="0"/>
-              <a:t>Installation </a:t>
-            </a:r>
-            <a:r>
-              <a:rPr lang="nl-BE" dirty="0" err="1"/>
-              <a:t>instructions</a:t>
-            </a:r>
-            <a:r>
-              <a:rPr lang="nl-BE" dirty="0"/>
-              <a:t>: </a:t>
-            </a:r>
-            <a:r>
-              <a:rPr lang="nl-BE" dirty="0">
-                <a:hlinkClick r:id="rId3"/>
-              </a:rPr>
-              <a:t>http://www.java.com/en/download/help/windows_offline_download.xml</a:t>
-            </a:r>
-            <a:endParaRPr lang="nl-BE" dirty="0"/>
-          </a:p>
-          <a:p>
-            <a:endParaRPr lang="nl-BE" dirty="0"/>
+              <a:t> processing?</a:t>
+            </a:r>
+          </a:p>
+          <a:p>
+            <a:r>
+              <a:rPr lang="nl-BE" dirty="0"/>
+              <a:t>…</a:t>
+            </a:r>
           </a:p>
         </p:txBody>
       </p:sp>
     </p:spTree>
     <p:extLst>
       <p:ext uri="{BB962C8B-B14F-4D97-AF65-F5344CB8AC3E}">
-        <p14:creationId xmlns:p14="http://schemas.microsoft.com/office/powerpoint/2010/main" val="1371804993"/>
+        <p14:creationId xmlns:p14="http://schemas.microsoft.com/office/powerpoint/2010/main" val="3393948197"/>
       </p:ext>
     </p:extLst>
   </p:cSld>
@@ -3957,11 +6026,11 @@
           <a:p>
             <a:r>
               <a:rPr lang="nl-BE" dirty="0"/>
-              <a:t>2. </a:t>
-            </a:r>
-            <a:r>
-              <a:rPr lang="nl-BE" dirty="0" err="1"/>
-              <a:t>eclipse</a:t>
+              <a:t>Part 1: tools </a:t>
+            </a:r>
+            <a:r>
+              <a:rPr lang="nl-BE" dirty="0" err="1"/>
+              <a:t>and</a:t>
             </a:r>
             <a:r>
               <a:rPr lang="nl-BE" dirty="0"/>
@@ -3971,10 +6040,7 @@
               <a:rPr lang="nl-BE" dirty="0" err="1"/>
               <a:t>installation</a:t>
             </a:r>
-            <a:r>
-              <a:rPr lang="nl-BE" dirty="0"/>
-              <a:t> (64-bit)</a:t>
-            </a:r>
+            <a:endParaRPr lang="nl-BE" dirty="0"/>
           </a:p>
         </p:txBody>
       </p:sp>
@@ -3990,9 +6056,7 @@
         </p:nvSpPr>
         <p:spPr/>
         <p:txBody>
-          <a:bodyPr>
-            <a:normAutofit/>
-          </a:bodyPr>
+          <a:bodyPr/>
           <a:lstStyle/>
           <a:p>
             <a:pPr marL="0" indent="0">
@@ -4000,18 +6064,66 @@
             </a:pPr>
             <a:r>
               <a:rPr lang="nl-BE" b="1" dirty="0" err="1"/>
+              <a:t>Essential</a:t>
+            </a:r>
+            <a:r>
+              <a:rPr lang="nl-BE" b="1" dirty="0"/>
+              <a:t> tools:</a:t>
+            </a:r>
+          </a:p>
+          <a:p>
+            <a:pPr marL="685800" lvl="1" indent="-457200">
+              <a:buFont typeface="+mj-lt"/>
+              <a:buAutoNum type="arabicPeriod"/>
+            </a:pPr>
+            <a:endParaRPr lang="nl-BE" dirty="0"/>
+          </a:p>
+          <a:p>
+            <a:pPr marL="685800" lvl="1" indent="-457200">
+              <a:buFont typeface="+mj-lt"/>
+              <a:buAutoNum type="arabicPeriod"/>
+            </a:pPr>
+            <a:r>
+              <a:rPr lang="nl-BE" dirty="0"/>
+              <a:t>JAVA run-time: </a:t>
+            </a:r>
+            <a:r>
+              <a:rPr lang="nl-BE" dirty="0" err="1"/>
+              <a:t>Needed</a:t>
+            </a:r>
+            <a:r>
+              <a:rPr lang="nl-BE" dirty="0"/>
+              <a:t> </a:t>
+            </a:r>
+            <a:r>
+              <a:rPr lang="nl-BE" dirty="0" err="1"/>
+              <a:t>for</a:t>
+            </a:r>
+            <a:r>
+              <a:rPr lang="nl-BE" dirty="0"/>
+              <a:t> </a:t>
+            </a:r>
+            <a:r>
+              <a:rPr lang="nl-BE" dirty="0" err="1"/>
               <a:t>Eclipse</a:t>
             </a:r>
             <a:r>
-              <a:rPr lang="nl-BE" b="1" dirty="0"/>
-              <a:t> LDT</a:t>
-            </a:r>
-          </a:p>
-          <a:p>
-            <a:pPr lvl="1"/>
-            <a:r>
-              <a:rPr lang="nl-BE" dirty="0"/>
-              <a:t>A </a:t>
+              <a:rPr lang="nl-BE" dirty="0"/>
+              <a:t>.</a:t>
+            </a:r>
+          </a:p>
+          <a:p>
+            <a:pPr marL="685800" lvl="1" indent="-457200">
+              <a:buFont typeface="+mj-lt"/>
+              <a:buAutoNum type="arabicPeriod"/>
+            </a:pPr>
+            <a:r>
+              <a:rPr lang="nl-BE" dirty="0" err="1"/>
+              <a:t>Eclipse</a:t>
+            </a:r>
+            <a:r>
+              <a:rPr lang="nl-BE" dirty="0"/>
+              <a:t> LDT: A </a:t>
             </a:r>
             <a:r>
               <a:rPr lang="nl-BE" dirty="0" err="1"/>
@@ -4019,380 +6131,157 @@
             </a:r>
             <a:r>
               <a:rPr lang="nl-BE" dirty="0"/>
-              <a:t> editor </a:t>
-            </a:r>
-            <a:r>
-              <a:rPr lang="nl-BE" dirty="0" err="1"/>
-              <a:t>supporting</a:t>
-            </a:r>
-            <a:r>
-              <a:rPr lang="nl-BE" dirty="0"/>
-              <a:t> </a:t>
-            </a:r>
-            <a:r>
-              <a:rPr lang="nl-BE" dirty="0" err="1"/>
-              <a:t>intellisense</a:t>
-            </a:r>
-            <a:r>
-              <a:rPr lang="nl-BE" dirty="0"/>
+              <a:t> editor</a:t>
+            </a:r>
+          </a:p>
+          <a:p>
+            <a:pPr marL="685800" lvl="1" indent="-457200">
+              <a:buFont typeface="+mj-lt"/>
+              <a:buAutoNum type="arabicPeriod"/>
+            </a:pPr>
+            <a:r>
+              <a:rPr lang="nl-BE" dirty="0" err="1"/>
+              <a:t>LogExpert</a:t>
+            </a:r>
+            <a:r>
+              <a:rPr lang="nl-BE" dirty="0"/>
+              <a:t>: </a:t>
+            </a:r>
+            <a:r>
+              <a:rPr lang="nl-BE" dirty="0" err="1"/>
+              <a:t>Logging</a:t>
+            </a:r>
+            <a:r>
+              <a:rPr lang="nl-BE" dirty="0"/>
+              <a:t> </a:t>
+            </a:r>
+            <a:r>
+              <a:rPr lang="nl-BE" dirty="0" err="1"/>
+              <a:t>trailing</a:t>
+            </a:r>
+            <a:r>
+              <a:rPr lang="nl-BE" dirty="0"/>
+              <a:t>.</a:t>
+            </a:r>
+          </a:p>
+          <a:p>
+            <a:pPr marL="685800" lvl="1" indent="-457200">
+              <a:buFont typeface="+mj-lt"/>
+              <a:buAutoNum type="arabicPeriod"/>
+            </a:pPr>
+            <a:r>
+              <a:rPr lang="nl-BE" dirty="0"/>
+              <a:t>GitHub: Source code </a:t>
+            </a:r>
+            <a:r>
+              <a:rPr lang="nl-BE" dirty="0" err="1"/>
+              <a:t>version</a:t>
+            </a:r>
+            <a:r>
+              <a:rPr lang="nl-BE" dirty="0"/>
+              <a:t> management </a:t>
+            </a:r>
+            <a:r>
+              <a:rPr lang="nl-BE" dirty="0" err="1"/>
+              <a:t>and</a:t>
+            </a:r>
+            <a:r>
+              <a:rPr lang="nl-BE" dirty="0"/>
+              <a:t> </a:t>
+            </a:r>
+            <a:r>
+              <a:rPr lang="nl-BE" dirty="0" err="1"/>
+              <a:t>sharing</a:t>
+            </a:r>
+            <a:r>
+              <a:rPr lang="nl-BE" dirty="0"/>
+              <a:t>.</a:t>
+            </a:r>
+          </a:p>
+          <a:p>
+            <a:pPr marL="685800" lvl="1" indent="-457200">
+              <a:buFont typeface="+mj-lt"/>
+              <a:buAutoNum type="arabicPeriod"/>
+            </a:pPr>
+            <a:r>
+              <a:rPr lang="nl-BE" dirty="0" err="1"/>
+              <a:t>GoodSync</a:t>
+            </a:r>
+            <a:r>
+              <a:rPr lang="nl-BE" dirty="0"/>
+              <a:t>: File </a:t>
+            </a:r>
+            <a:r>
+              <a:rPr lang="nl-BE" dirty="0" err="1"/>
+              <a:t>synchronization</a:t>
+            </a:r>
+            <a:r>
+              <a:rPr lang="nl-BE" dirty="0"/>
+              <a:t>.</a:t>
+            </a:r>
+          </a:p>
+          <a:p>
+            <a:pPr marL="228600" lvl="1" indent="0">
+              <a:buNone/>
+            </a:pPr>
+            <a:endParaRPr lang="nl-BE" dirty="0"/>
+          </a:p>
+          <a:p>
+            <a:r>
+              <a:rPr lang="nl-BE" sz="1800" dirty="0" err="1"/>
+              <a:t>Note</a:t>
+            </a:r>
+            <a:r>
+              <a:rPr lang="nl-BE" sz="1800" dirty="0"/>
+              <a:t>: We </a:t>
+            </a:r>
+            <a:r>
+              <a:rPr lang="nl-BE" sz="1800" dirty="0" err="1"/>
+              <a:t>use</a:t>
+            </a:r>
+            <a:r>
+              <a:rPr lang="nl-BE" sz="1800" dirty="0"/>
+              <a:t> 64-bit </a:t>
+            </a:r>
+            <a:r>
+              <a:rPr lang="nl-BE" sz="1800" dirty="0" err="1"/>
+              <a:t>versions</a:t>
+            </a:r>
+            <a:r>
+              <a:rPr lang="nl-BE" sz="1800" dirty="0"/>
               <a:t> of </a:t>
             </a:r>
             <a:r>
-              <a:rPr lang="nl-BE" dirty="0" err="1"/>
-              <a:t>your</a:t>
-            </a:r>
-            <a:r>
-              <a:rPr lang="nl-BE" dirty="0"/>
-              <a:t> </a:t>
-            </a:r>
-            <a:r>
-              <a:rPr lang="nl-BE" dirty="0" err="1"/>
-              <a:t>lua</a:t>
-            </a:r>
-            <a:r>
-              <a:rPr lang="nl-BE" dirty="0"/>
-              <a:t> code, </a:t>
-            </a:r>
-            <a:r>
-              <a:rPr lang="nl-BE" dirty="0" err="1"/>
-              <a:t>using</a:t>
-            </a:r>
-            <a:r>
-              <a:rPr lang="nl-BE" dirty="0"/>
-              <a:t> in-source </a:t>
-            </a:r>
-            <a:r>
-              <a:rPr lang="nl-BE" dirty="0" err="1"/>
-              <a:t>luadoc</a:t>
-            </a:r>
-            <a:r>
-              <a:rPr lang="nl-BE" dirty="0"/>
-              <a:t> </a:t>
-            </a:r>
-            <a:r>
-              <a:rPr lang="nl-BE" dirty="0" err="1"/>
-              <a:t>documentation</a:t>
-            </a:r>
-            <a:r>
-              <a:rPr lang="nl-BE" dirty="0"/>
-              <a:t>. </a:t>
-            </a:r>
-          </a:p>
-          <a:p>
-            <a:pPr lvl="1"/>
-            <a:r>
-              <a:rPr lang="nl-BE" dirty="0" err="1"/>
-              <a:t>You’ll</a:t>
-            </a:r>
-            <a:r>
-              <a:rPr lang="nl-BE" dirty="0"/>
-              <a:t> </a:t>
-            </a:r>
-            <a:r>
-              <a:rPr lang="nl-BE" dirty="0" err="1"/>
-              <a:t>need</a:t>
-            </a:r>
-            <a:r>
-              <a:rPr lang="nl-BE" dirty="0"/>
-              <a:t> </a:t>
-            </a:r>
-            <a:r>
-              <a:rPr lang="nl-BE" dirty="0" err="1"/>
-              <a:t>to</a:t>
-            </a:r>
-            <a:r>
-              <a:rPr lang="nl-BE" dirty="0"/>
-              <a:t> download </a:t>
-            </a:r>
-            <a:r>
-              <a:rPr lang="nl-BE" dirty="0" err="1"/>
+              <a:rPr lang="nl-BE" sz="1800" dirty="0" err="1"/>
+              <a:t>all</a:t>
+            </a:r>
+            <a:r>
+              <a:rPr lang="nl-BE" sz="1800" dirty="0"/>
+              <a:t> </a:t>
+            </a:r>
+            <a:r>
+              <a:rPr lang="nl-BE" sz="1800" dirty="0" err="1"/>
               <a:t>the</a:t>
             </a:r>
             <a:r>
-              <a:rPr lang="nl-BE" dirty="0"/>
-              <a:t> 64-bit </a:t>
-            </a:r>
-            <a:r>
-              <a:rPr lang="nl-BE" dirty="0" err="1"/>
-              <a:t>version</a:t>
-            </a:r>
-            <a:r>
-              <a:rPr lang="nl-BE" dirty="0"/>
-              <a:t>.</a:t>
-            </a:r>
-          </a:p>
-          <a:p>
-            <a:pPr lvl="1"/>
-            <a:r>
-              <a:rPr lang="nl-BE" dirty="0"/>
-              <a:t>Download Link: </a:t>
-            </a:r>
-            <a:r>
-              <a:rPr lang="nl-BE" dirty="0">
-                <a:hlinkClick r:id="rId2"/>
-              </a:rPr>
-              <a:t>https://eclipse.org/ldt/</a:t>
-            </a:r>
-            <a:endParaRPr lang="nl-BE" dirty="0"/>
-          </a:p>
-          <a:p>
-            <a:r>
-              <a:rPr lang="nl-BE" dirty="0"/>
-              <a:t>Unzip </a:t>
-            </a:r>
-            <a:r>
-              <a:rPr lang="nl-BE" dirty="0" err="1"/>
-              <a:t>the</a:t>
-            </a:r>
-            <a:r>
-              <a:rPr lang="nl-BE" dirty="0"/>
-              <a:t> </a:t>
-            </a:r>
-            <a:r>
-              <a:rPr lang="nl-BE" dirty="0" err="1"/>
-              <a:t>Archive</a:t>
-            </a:r>
-            <a:r>
-              <a:rPr lang="nl-BE" dirty="0"/>
-              <a:t>.</a:t>
-            </a:r>
-          </a:p>
-          <a:p>
-            <a:r>
-              <a:rPr lang="nl-BE" dirty="0"/>
-              <a:t>Copy </a:t>
-            </a:r>
-            <a:r>
-              <a:rPr lang="nl-BE" dirty="0" err="1"/>
-              <a:t>the</a:t>
-            </a:r>
-            <a:r>
-              <a:rPr lang="nl-BE" dirty="0"/>
-              <a:t> complete </a:t>
-            </a:r>
-            <a:r>
-              <a:rPr lang="nl-BE" dirty="0" err="1"/>
-              <a:t>archive</a:t>
-            </a:r>
-            <a:r>
-              <a:rPr lang="nl-BE" dirty="0"/>
-              <a:t> contents </a:t>
-            </a:r>
-            <a:r>
-              <a:rPr lang="nl-BE" dirty="0" err="1"/>
-              <a:t>to</a:t>
-            </a:r>
-            <a:r>
-              <a:rPr lang="nl-BE" dirty="0"/>
-              <a:t> C:\Eclipse</a:t>
-            </a:r>
-          </a:p>
-          <a:p>
-            <a:r>
-              <a:rPr lang="nl-BE" dirty="0"/>
-              <a:t>Make a </a:t>
-            </a:r>
-            <a:r>
-              <a:rPr lang="nl-BE" dirty="0" err="1"/>
-              <a:t>shortcut</a:t>
-            </a:r>
-            <a:r>
-              <a:rPr lang="nl-BE" dirty="0"/>
-              <a:t> of LuaDevelopmentTools.exe</a:t>
-            </a:r>
-            <a:br>
-              <a:rPr lang="nl-BE" dirty="0"/>
-            </a:br>
-            <a:r>
-              <a:rPr lang="nl-BE" dirty="0" err="1"/>
-              <a:t>to</a:t>
-            </a:r>
-            <a:r>
-              <a:rPr lang="nl-BE" dirty="0"/>
-              <a:t> </a:t>
-            </a:r>
-            <a:r>
-              <a:rPr lang="nl-BE" dirty="0" err="1"/>
-              <a:t>your</a:t>
-            </a:r>
-            <a:r>
-              <a:rPr lang="nl-BE" dirty="0"/>
-              <a:t> </a:t>
-            </a:r>
-            <a:r>
-              <a:rPr lang="nl-BE" dirty="0" err="1"/>
-              <a:t>taskbar</a:t>
-            </a:r>
-            <a:r>
-              <a:rPr lang="nl-BE" dirty="0"/>
-              <a:t> </a:t>
-            </a:r>
-            <a:r>
-              <a:rPr lang="nl-BE" dirty="0" err="1"/>
-              <a:t>and</a:t>
-            </a:r>
-            <a:r>
-              <a:rPr lang="nl-BE" dirty="0"/>
-              <a:t> start menu.</a:t>
-            </a:r>
-          </a:p>
-        </p:txBody>
-      </p:sp>
-      <p:sp>
-        <p:nvSpPr>
-          <p:cNvPr id="4" name="Tekstvak 3"/>
-          <p:cNvSpPr txBox="1"/>
-          <p:nvPr/>
-        </p:nvSpPr>
-        <p:spPr>
-          <a:xfrm>
-            <a:off x="9022702" y="3482009"/>
-            <a:ext cx="2516010" cy="2954655"/>
-          </a:xfrm>
-          <a:prstGeom prst="rect">
-            <a:avLst/>
-          </a:prstGeom>
-          <a:noFill/>
-        </p:spPr>
-        <p:txBody>
-          <a:bodyPr wrap="none" rtlCol="0">
-            <a:spAutoFit/>
-          </a:bodyPr>
-          <a:lstStyle/>
-          <a:p>
-            <a:r>
-              <a:rPr lang="nl-BE" dirty="0"/>
-              <a:t>Features:</a:t>
-            </a:r>
-          </a:p>
-          <a:p>
-            <a:pPr marL="628650" lvl="1" indent="-171450">
-              <a:buFont typeface="Arial" panose="020B0604020202020204" pitchFamily="34" charset="0"/>
-              <a:buChar char="•"/>
-            </a:pPr>
-            <a:r>
-              <a:rPr lang="nl-BE" sz="1200" dirty="0"/>
-              <a:t>    </a:t>
-            </a:r>
-            <a:r>
-              <a:rPr lang="nl-BE" sz="1600" dirty="0"/>
-              <a:t>Code Assistance</a:t>
-            </a:r>
-          </a:p>
-          <a:p>
-            <a:pPr marL="628650" lvl="1" indent="-171450">
-              <a:buFont typeface="Arial" panose="020B0604020202020204" pitchFamily="34" charset="0"/>
-              <a:buChar char="•"/>
-            </a:pPr>
-            <a:r>
-              <a:rPr lang="nl-BE" sz="1600" dirty="0"/>
-              <a:t>    Code Templating</a:t>
-            </a:r>
-          </a:p>
-          <a:p>
-            <a:pPr marL="628650" lvl="1" indent="-171450">
-              <a:buFont typeface="Arial" panose="020B0604020202020204" pitchFamily="34" charset="0"/>
-              <a:buChar char="•"/>
-            </a:pPr>
-            <a:r>
-              <a:rPr lang="nl-BE" sz="1600" dirty="0"/>
-              <a:t>    Syntax </a:t>
-            </a:r>
-            <a:r>
-              <a:rPr lang="nl-BE" sz="1600" dirty="0" err="1"/>
-              <a:t>Coloring</a:t>
-            </a:r>
-            <a:endParaRPr lang="nl-BE" sz="1600" dirty="0"/>
-          </a:p>
-          <a:p>
-            <a:pPr marL="628650" lvl="1" indent="-171450">
-              <a:buFont typeface="Arial" panose="020B0604020202020204" pitchFamily="34" charset="0"/>
-              <a:buChar char="•"/>
-            </a:pPr>
-            <a:r>
-              <a:rPr lang="nl-BE" sz="1600" dirty="0"/>
-              <a:t>    Error Markers</a:t>
-            </a:r>
-          </a:p>
-          <a:p>
-            <a:pPr marL="628650" lvl="1" indent="-171450">
-              <a:buFont typeface="Arial" panose="020B0604020202020204" pitchFamily="34" charset="0"/>
-              <a:buChar char="•"/>
-            </a:pPr>
-            <a:r>
-              <a:rPr lang="nl-BE" sz="1600" dirty="0"/>
-              <a:t>    </a:t>
-            </a:r>
-            <a:r>
-              <a:rPr lang="nl-BE" sz="1600" dirty="0" err="1"/>
-              <a:t>Outline</a:t>
-            </a:r>
-            <a:endParaRPr lang="nl-BE" sz="1600" dirty="0"/>
-          </a:p>
-          <a:p>
-            <a:pPr marL="628650" lvl="1" indent="-171450">
-              <a:buFont typeface="Arial" panose="020B0604020202020204" pitchFamily="34" charset="0"/>
-              <a:buChar char="•"/>
-            </a:pPr>
-            <a:r>
-              <a:rPr lang="nl-BE" sz="1600" dirty="0"/>
-              <a:t>    </a:t>
-            </a:r>
-            <a:r>
-              <a:rPr lang="nl-BE" sz="1600" dirty="0" err="1"/>
-              <a:t>Variable</a:t>
-            </a:r>
-            <a:r>
-              <a:rPr lang="nl-BE" sz="1600" dirty="0"/>
-              <a:t> Highlight</a:t>
-            </a:r>
-          </a:p>
-          <a:p>
-            <a:pPr marL="628650" lvl="1" indent="-171450">
-              <a:buFont typeface="Arial" panose="020B0604020202020204" pitchFamily="34" charset="0"/>
-              <a:buChar char="•"/>
-            </a:pPr>
-            <a:r>
-              <a:rPr lang="nl-BE" sz="1600" dirty="0"/>
-              <a:t>    Code </a:t>
-            </a:r>
-            <a:r>
-              <a:rPr lang="nl-BE" sz="1600" dirty="0" err="1"/>
-              <a:t>Formatter</a:t>
-            </a:r>
-            <a:endParaRPr lang="nl-BE" sz="1600" dirty="0"/>
-          </a:p>
-          <a:p>
-            <a:pPr marL="628650" lvl="1" indent="-171450">
-              <a:buFont typeface="Arial" panose="020B0604020202020204" pitchFamily="34" charset="0"/>
-              <a:buChar char="•"/>
-            </a:pPr>
-            <a:r>
-              <a:rPr lang="nl-BE" sz="1600" dirty="0"/>
-              <a:t>    Code </a:t>
-            </a:r>
-            <a:r>
-              <a:rPr lang="nl-BE" sz="1600" dirty="0" err="1"/>
-              <a:t>Folding</a:t>
-            </a:r>
-            <a:endParaRPr lang="nl-BE" sz="1600" dirty="0"/>
-          </a:p>
-          <a:p>
-            <a:pPr marL="628650" lvl="1" indent="-171450">
-              <a:buFont typeface="Arial" panose="020B0604020202020204" pitchFamily="34" charset="0"/>
-              <a:buChar char="•"/>
-            </a:pPr>
-            <a:r>
-              <a:rPr lang="nl-BE" sz="1600" dirty="0"/>
-              <a:t>    </a:t>
-            </a:r>
-            <a:r>
-              <a:rPr lang="nl-BE" sz="1600" dirty="0" err="1"/>
-              <a:t>Goto</a:t>
-            </a:r>
-            <a:r>
-              <a:rPr lang="nl-BE" sz="1600" dirty="0"/>
-              <a:t> Definition</a:t>
+              <a:rPr lang="nl-BE" sz="1800" dirty="0"/>
+              <a:t> tools (</a:t>
+            </a:r>
+            <a:r>
+              <a:rPr lang="nl-BE" sz="1800" dirty="0" err="1"/>
+              <a:t>where</a:t>
+            </a:r>
+            <a:r>
+              <a:rPr lang="nl-BE" sz="1800" dirty="0"/>
+              <a:t> </a:t>
+            </a:r>
+            <a:r>
+              <a:rPr lang="nl-BE" sz="1800" dirty="0" err="1"/>
+              <a:t>available</a:t>
+            </a:r>
+            <a:r>
+              <a:rPr lang="nl-BE" sz="1800" dirty="0"/>
+              <a:t>) as DCS WORLD is a 64-bit system.</a:t>
             </a:r>
           </a:p>
           <a:p>
@@ -4403,7 +6292,7 @@
     </p:spTree>
     <p:extLst>
       <p:ext uri="{BB962C8B-B14F-4D97-AF65-F5344CB8AC3E}">
-        <p14:creationId xmlns:p14="http://schemas.microsoft.com/office/powerpoint/2010/main" val="3463496435"/>
+        <p14:creationId xmlns:p14="http://schemas.microsoft.com/office/powerpoint/2010/main" val="1762493483"/>
       </p:ext>
     </p:extLst>
   </p:cSld>
@@ -4447,7 +6336,7 @@
           <a:p>
             <a:r>
               <a:rPr lang="nl-BE" dirty="0"/>
-              <a:t>3. Logexpert</a:t>
+              <a:t>1. JAVA run-time</a:t>
             </a:r>
           </a:p>
         </p:txBody>
@@ -4471,163 +6360,105 @@
               <a:buNone/>
             </a:pPr>
             <a:r>
-              <a:rPr lang="nl-BE" b="1" dirty="0" err="1"/>
-              <a:t>LogExpert</a:t>
-            </a:r>
-            <a:r>
               <a:rPr lang="nl-BE" b="1" dirty="0"/>
-              <a:t>: </a:t>
+              <a:t>JAVA Run-Time</a:t>
             </a:r>
           </a:p>
           <a:p>
             <a:pPr lvl="1"/>
             <a:r>
               <a:rPr lang="nl-BE" dirty="0" err="1"/>
-              <a:t>Trailing</a:t>
-            </a:r>
-            <a:r>
-              <a:rPr lang="nl-BE" dirty="0"/>
-              <a:t> of </a:t>
-            </a:r>
-            <a:r>
-              <a:rPr lang="nl-BE" dirty="0" err="1"/>
-              <a:t>logging</a:t>
-            </a:r>
-            <a:r>
-              <a:rPr lang="nl-BE" dirty="0"/>
-              <a:t> files.</a:t>
+              <a:t>Needed</a:t>
+            </a:r>
+            <a:r>
+              <a:rPr lang="nl-BE" dirty="0"/>
+              <a:t> </a:t>
+            </a:r>
+            <a:r>
+              <a:rPr lang="nl-BE" dirty="0" err="1"/>
+              <a:t>to</a:t>
+            </a:r>
+            <a:r>
+              <a:rPr lang="nl-BE" dirty="0"/>
+              <a:t> run </a:t>
+            </a:r>
+            <a:r>
+              <a:rPr lang="nl-BE" dirty="0" err="1"/>
+              <a:t>Eclipse</a:t>
+            </a:r>
+            <a:r>
+              <a:rPr lang="nl-BE" dirty="0"/>
+              <a:t>. </a:t>
             </a:r>
           </a:p>
           <a:p>
             <a:pPr lvl="1"/>
             <a:r>
-              <a:rPr lang="nl-BE" dirty="0" err="1"/>
-              <a:t>Main</a:t>
-            </a:r>
-            <a:r>
-              <a:rPr lang="nl-BE" dirty="0"/>
-              <a:t> site: http://logexpert.codeplex.com/</a:t>
-            </a:r>
-          </a:p>
-          <a:p>
-            <a:pPr lvl="1"/>
-            <a:r>
-              <a:rPr lang="nl-BE" dirty="0"/>
-              <a:t>Download: </a:t>
+              <a:rPr lang="nl-BE" dirty="0"/>
+              <a:t>Download </a:t>
+            </a:r>
+            <a:r>
+              <a:rPr lang="nl-BE" dirty="0" err="1"/>
+              <a:t>the</a:t>
+            </a:r>
+            <a:r>
+              <a:rPr lang="nl-BE" dirty="0"/>
+              <a:t> 64-bit </a:t>
+            </a:r>
+            <a:r>
+              <a:rPr lang="nl-BE" dirty="0" err="1"/>
+              <a:t>version</a:t>
+            </a:r>
+            <a:r>
+              <a:rPr lang="nl-BE" dirty="0"/>
+              <a:t> </a:t>
+            </a:r>
+            <a:r>
+              <a:rPr lang="nl-BE" dirty="0" err="1"/>
+              <a:t>from</a:t>
+            </a:r>
+            <a:r>
+              <a:rPr lang="nl-BE" dirty="0"/>
+              <a:t> Oracle: </a:t>
             </a:r>
             <a:r>
               <a:rPr lang="nl-BE" dirty="0">
                 <a:hlinkClick r:id="rId2"/>
               </a:rPr>
-              <a:t>http://logexpert.codeplex.com/releases/view/610775</a:t>
+              <a:t>http://www.java.com/en/download/manual.jsp</a:t>
             </a:r>
             <a:endParaRPr lang="nl-BE" dirty="0"/>
           </a:p>
           <a:p>
             <a:r>
               <a:rPr lang="nl-BE" dirty="0"/>
-              <a:t>Installation</a:t>
-            </a:r>
-          </a:p>
-          <a:p>
-            <a:pPr lvl="1"/>
-            <a:r>
-              <a:rPr lang="nl-BE" dirty="0"/>
-              <a:t>Unzip </a:t>
-            </a:r>
-            <a:r>
-              <a:rPr lang="nl-BE" dirty="0" err="1"/>
-              <a:t>the</a:t>
-            </a:r>
-            <a:r>
-              <a:rPr lang="nl-BE" dirty="0"/>
-              <a:t> </a:t>
-            </a:r>
-            <a:r>
-              <a:rPr lang="nl-BE" dirty="0" err="1"/>
-              <a:t>archive</a:t>
-            </a:r>
-            <a:r>
-              <a:rPr lang="nl-BE" dirty="0"/>
-              <a:t> </a:t>
-            </a:r>
-            <a:r>
-              <a:rPr lang="nl-BE" dirty="0" err="1"/>
-              <a:t>completely</a:t>
-            </a:r>
-            <a:r>
-              <a:rPr lang="nl-BE" dirty="0"/>
-              <a:t>.</a:t>
-            </a:r>
-          </a:p>
-          <a:p>
-            <a:pPr lvl="1"/>
-            <a:r>
-              <a:rPr lang="nl-BE" dirty="0"/>
-              <a:t>Copy </a:t>
-            </a:r>
-            <a:r>
-              <a:rPr lang="nl-BE" dirty="0" err="1"/>
-              <a:t>the</a:t>
-            </a:r>
-            <a:r>
-              <a:rPr lang="nl-BE" dirty="0"/>
-              <a:t> </a:t>
-            </a:r>
-            <a:r>
-              <a:rPr lang="nl-BE" dirty="0" err="1"/>
-              <a:t>archive</a:t>
-            </a:r>
-            <a:r>
-              <a:rPr lang="nl-BE" dirty="0"/>
-              <a:t> contents </a:t>
-            </a:r>
-            <a:r>
-              <a:rPr lang="nl-BE" dirty="0" err="1"/>
-              <a:t>to</a:t>
-            </a:r>
-            <a:r>
-              <a:rPr lang="nl-BE" dirty="0"/>
-              <a:t> C:\LogExpert</a:t>
-            </a:r>
-          </a:p>
-          <a:p>
-            <a:pPr lvl="1"/>
-            <a:r>
-              <a:rPr lang="nl-BE" dirty="0"/>
-              <a:t>Make shortcuts of logexpert.exe </a:t>
-            </a:r>
-            <a:r>
-              <a:rPr lang="nl-BE" dirty="0" err="1"/>
-              <a:t>to</a:t>
-            </a:r>
-            <a:r>
-              <a:rPr lang="nl-BE" dirty="0"/>
-              <a:t> start menu </a:t>
-            </a:r>
-            <a:r>
-              <a:rPr lang="nl-BE" dirty="0" err="1"/>
-              <a:t>and</a:t>
-            </a:r>
-            <a:r>
-              <a:rPr lang="nl-BE" dirty="0"/>
-              <a:t> </a:t>
-            </a:r>
-            <a:r>
-              <a:rPr lang="nl-BE" dirty="0" err="1"/>
-              <a:t>taskbar</a:t>
-            </a:r>
-            <a:r>
-              <a:rPr lang="nl-BE" dirty="0"/>
-              <a:t>.</a:t>
-            </a:r>
+              <a:t>Installation </a:t>
+            </a:r>
+            <a:r>
+              <a:rPr lang="nl-BE" dirty="0" err="1"/>
+              <a:t>instructions</a:t>
+            </a:r>
+            <a:r>
+              <a:rPr lang="nl-BE" dirty="0"/>
+              <a:t>: </a:t>
+            </a:r>
+            <a:r>
+              <a:rPr lang="nl-BE" dirty="0">
+                <a:hlinkClick r:id="rId3"/>
+              </a:rPr>
+              <a:t>http://www.java.com/en/download/help/windows_offline_download.xml</a:t>
+            </a:r>
+            <a:endParaRPr lang="nl-BE" dirty="0"/>
+          </a:p>
+          <a:p>
+            <a:endParaRPr lang="nl-BE" dirty="0"/>
           </a:p>
         </p:txBody>
       </p:sp>
     </p:spTree>
     <p:extLst>
       <p:ext uri="{BB962C8B-B14F-4D97-AF65-F5344CB8AC3E}">
-        <p14:creationId xmlns:p14="http://schemas.microsoft.com/office/powerpoint/2010/main" val="950380447"/>
+        <p14:creationId xmlns:p14="http://schemas.microsoft.com/office/powerpoint/2010/main" val="2304177443"/>
       </p:ext>
     </p:extLst>
   </p:cSld>
@@ -4671,7 +6502,23 @@
           <a:p>
             <a:r>
               <a:rPr lang="nl-BE" dirty="0"/>
-              <a:t>4. GitHub</a:t>
+              <a:t>2. </a:t>
+            </a:r>
+            <a:r>
+              <a:rPr lang="nl-BE" dirty="0" err="1"/>
+              <a:t>eclipse</a:t>
+            </a:r>
+            <a:r>
+              <a:rPr lang="nl-BE" dirty="0"/>
+              <a:t> </a:t>
+            </a:r>
+            <a:r>
+              <a:rPr lang="nl-BE" dirty="0" err="1"/>
+              <a:t>installation</a:t>
+            </a:r>
+            <a:r>
+              <a:rPr lang="nl-BE" dirty="0"/>
+              <a:t> (64-bit)</a:t>
             </a:r>
           </a:p>
         </p:txBody>
@@ -4688,34 +6535,127 @@
         </p:nvSpPr>
         <p:spPr/>
         <p:txBody>
-          <a:bodyPr/>
+          <a:bodyPr>
+            <a:normAutofit/>
+          </a:bodyPr>
           <a:lstStyle/>
           <a:p>
             <a:pPr marL="0" indent="0">
               <a:buNone/>
             </a:pPr>
             <a:r>
+              <a:rPr lang="nl-BE" b="1" dirty="0" err="1"/>
+              <a:t>Eclipse</a:t>
+            </a:r>
+            <a:r>
               <a:rPr lang="nl-BE" b="1" dirty="0"/>
-              <a:t>GitHub</a:t>
+              <a:t> LDT</a:t>
             </a:r>
           </a:p>
           <a:p>
             <a:pPr lvl="1"/>
             <a:r>
-              <a:rPr lang="nl-BE" dirty="0" err="1"/>
-              <a:t>Used</a:t>
-            </a:r>
-            <a:r>
-              <a:rPr lang="nl-BE" dirty="0"/>
-              <a:t> </a:t>
-            </a:r>
-            <a:r>
-              <a:rPr lang="nl-BE" dirty="0" err="1"/>
-              <a:t>for</a:t>
-            </a:r>
-            <a:r>
-              <a:rPr lang="nl-BE" dirty="0"/>
-              <a:t> source </a:t>
+              <a:rPr lang="nl-BE" dirty="0"/>
+              <a:t>A </a:t>
+            </a:r>
+            <a:r>
+              <a:rPr lang="nl-BE" dirty="0" err="1"/>
+              <a:t>lua</a:t>
+            </a:r>
+            <a:r>
+              <a:rPr lang="nl-BE" dirty="0"/>
+              <a:t> editor </a:t>
+            </a:r>
+            <a:r>
+              <a:rPr lang="nl-BE" dirty="0" err="1"/>
+              <a:t>supporting</a:t>
+            </a:r>
+            <a:r>
+              <a:rPr lang="nl-BE" dirty="0"/>
+              <a:t> </a:t>
+            </a:r>
+            <a:r>
+              <a:rPr lang="nl-BE" dirty="0" err="1"/>
+              <a:t>intellisense</a:t>
+            </a:r>
+            <a:r>
+              <a:rPr lang="nl-BE" dirty="0"/>
+              <a:t> of </a:t>
+            </a:r>
+            <a:r>
+              <a:rPr lang="nl-BE" dirty="0" err="1"/>
+              <a:t>your</a:t>
+            </a:r>
+            <a:r>
+              <a:rPr lang="nl-BE" dirty="0"/>
+              <a:t> </a:t>
+            </a:r>
+            <a:r>
+              <a:rPr lang="nl-BE" dirty="0" err="1"/>
+              <a:t>lua</a:t>
+            </a:r>
+            <a:r>
+              <a:rPr lang="nl-BE" dirty="0"/>
+              <a:t> code, </a:t>
+            </a:r>
+            <a:r>
+              <a:rPr lang="nl-BE" dirty="0" err="1"/>
+              <a:t>using</a:t>
+            </a:r>
+            <a:r>
+              <a:rPr lang="nl-BE" dirty="0"/>
+              <a:t> in-source </a:t>
+            </a:r>
+            <a:r>
+              <a:rPr lang="nl-BE" dirty="0" err="1"/>
+              <a:t>luadoc</a:t>
+            </a:r>
+            <a:r>
+              <a:rPr lang="nl-BE" dirty="0"/>
+              <a:t> </a:t>
+            </a:r>
+            <a:r>
+              <a:rPr lang="nl-BE" dirty="0" err="1"/>
+              <a:t>documentation</a:t>
+            </a:r>
+            <a:r>
+              <a:rPr lang="nl-BE" dirty="0"/>
+              <a:t>. </a:t>
+            </a:r>
+          </a:p>
+          <a:p>
+            <a:pPr lvl="1"/>
+            <a:r>
+              <a:rPr lang="nl-BE" dirty="0" err="1"/>
+              <a:t>You’ll</a:t>
+            </a:r>
+            <a:r>
+              <a:rPr lang="nl-BE" dirty="0"/>
+              <a:t> </a:t>
+            </a:r>
+            <a:r>
+              <a:rPr lang="nl-BE" dirty="0" err="1"/>
+              <a:t>need</a:t>
+            </a:r>
+            <a:r>
+              <a:rPr lang="nl-BE" dirty="0"/>
+              <a:t> </a:t>
+            </a:r>
+            <a:r>
+              <a:rPr lang="nl-BE" dirty="0" err="1"/>
+              <a:t>to</a:t>
+            </a:r>
+            <a:r>
+              <a:rPr lang="nl-BE" dirty="0"/>
+              <a:t> download </a:t>
+            </a:r>
+            <a:r>
+              <a:rPr lang="nl-BE" dirty="0" err="1"/>
+              <a:t>the</a:t>
+            </a:r>
+            <a:r>
+              <a:rPr lang="nl-BE" dirty="0"/>
+              <a:t> 64-bit </a:t>
             </a:r>
             <a:r>
               <a:rPr lang="nl-BE" dirty="0" err="1"/>
@@ -4723,30 +6663,6 @@
             </a:r>
             <a:r>
               <a:rPr lang="nl-BE" dirty="0"/>
-              <a:t> control, </a:t>
-            </a:r>
-            <a:r>
-              <a:rPr lang="nl-BE" dirty="0" err="1"/>
-              <a:t>collaborative</a:t>
-            </a:r>
-            <a:r>
-              <a:rPr lang="nl-BE" dirty="0"/>
-              <a:t> development </a:t>
-            </a:r>
-            <a:r>
-              <a:rPr lang="nl-BE" dirty="0" err="1"/>
-              <a:t>and</a:t>
-            </a:r>
-            <a:r>
-              <a:rPr lang="nl-BE" dirty="0"/>
-              <a:t> code </a:t>
-            </a:r>
-            <a:r>
-              <a:rPr lang="nl-BE" dirty="0" err="1"/>
-              <a:t>sharing</a:t>
-            </a:r>
-            <a:r>
-              <a:rPr lang="nl-BE" dirty="0"/>
               <a:t>.</a:t>
             </a:r>
           </a:p>
@@ -4754,60 +6670,20 @@
             <a:pPr lvl="1"/>
             <a:r>
               <a:rPr lang="nl-BE" dirty="0"/>
-              <a:t>Download </a:t>
-            </a:r>
-            <a:r>
-              <a:rPr lang="nl-BE" dirty="0" err="1"/>
-              <a:t>the</a:t>
-            </a:r>
-            <a:r>
-              <a:rPr lang="nl-BE" dirty="0"/>
-              <a:t> GITHUB desktop </a:t>
-            </a:r>
-            <a:r>
-              <a:rPr lang="nl-BE" dirty="0" err="1"/>
-              <a:t>application</a:t>
-            </a:r>
-            <a:r>
-              <a:rPr lang="nl-BE" dirty="0"/>
-              <a:t>: </a:t>
+              <a:t>Download Link: </a:t>
             </a:r>
             <a:r>
               <a:rPr lang="nl-BE" dirty="0">
                 <a:hlinkClick r:id="rId2"/>
               </a:rPr>
-              <a:t>https://desktop.github.com/</a:t>
+              <a:t>https://eclipse.org/ldt/</a:t>
             </a:r>
             <a:endParaRPr lang="nl-BE" dirty="0"/>
           </a:p>
           <a:p>
             <a:r>
-              <a:rPr lang="nl-BE" dirty="0" err="1"/>
-              <a:t>Install</a:t>
-            </a:r>
-            <a:r>
-              <a:rPr lang="nl-BE" dirty="0"/>
-              <a:t> </a:t>
-            </a:r>
-            <a:r>
-              <a:rPr lang="nl-BE" dirty="0" err="1"/>
-              <a:t>GibHub</a:t>
-            </a:r>
-            <a:r>
-              <a:rPr lang="nl-BE" dirty="0"/>
-              <a:t> Desktop.</a:t>
-            </a:r>
-          </a:p>
-          <a:p>
-            <a:r>
-              <a:rPr lang="nl-BE" dirty="0"/>
-              <a:t>Make a GitHub user-id.</a:t>
-            </a:r>
-          </a:p>
-          <a:p>
-            <a:r>
-              <a:rPr lang="nl-BE" dirty="0"/>
-              <a:t>Link </a:t>
+              <a:rPr lang="nl-BE" dirty="0"/>
+              <a:t>Unzip </a:t>
             </a:r>
             <a:r>
               <a:rPr lang="nl-BE" dirty="0" err="1"/>
@@ -4815,15 +6691,37 @@
             </a:r>
             <a:r>
               <a:rPr lang="nl-BE" dirty="0"/>
-              <a:t> MOOSE </a:t>
-            </a:r>
-            <a:r>
-              <a:rPr lang="nl-BE" dirty="0" err="1"/>
-              <a:t>repository</a:t>
-            </a:r>
-            <a:r>
-              <a:rPr lang="nl-BE" dirty="0"/>
-              <a:t> </a:t>
+              <a:t> </a:t>
+            </a:r>
+            <a:r>
+              <a:rPr lang="nl-BE" dirty="0" err="1"/>
+              <a:t>Archive</a:t>
+            </a:r>
+            <a:r>
+              <a:rPr lang="nl-BE" dirty="0"/>
+              <a:t>.</a:t>
+            </a:r>
+          </a:p>
+          <a:p>
+            <a:r>
+              <a:rPr lang="nl-BE" dirty="0"/>
+              <a:t>Copy </a:t>
+            </a:r>
+            <a:r>
+              <a:rPr lang="nl-BE" dirty="0" err="1"/>
+              <a:t>the</a:t>
+            </a:r>
+            <a:r>
+              <a:rPr lang="nl-BE" dirty="0"/>
+              <a:t> complete </a:t>
+            </a:r>
+            <a:r>
+              <a:rPr lang="nl-BE" dirty="0" err="1"/>
+              <a:t>archive</a:t>
+            </a:r>
+            <a:r>
+              <a:rPr lang="nl-BE" dirty="0"/>
+              <a:t> contents </a:t>
             </a:r>
             <a:r>
               <a:rPr lang="nl-BE" dirty="0" err="1"/>
@@ -4831,65 +6729,215 @@
             </a:r>
             <a:r>
               <a:rPr lang="nl-BE" dirty="0"/>
-              <a:t> </a:t>
-            </a:r>
-            <a:r>
-              <a:rPr lang="nl-BE" dirty="0" err="1"/>
-              <a:t>the</a:t>
-            </a:r>
-            <a:r>
-              <a:rPr lang="nl-BE" dirty="0"/>
-              <a:t> GitHub desktop.</a:t>
-            </a:r>
-          </a:p>
-          <a:p>
-            <a:r>
-              <a:rPr lang="nl-BE" dirty="0" err="1"/>
-              <a:t>Now</a:t>
-            </a:r>
-            <a:r>
-              <a:rPr lang="nl-BE" dirty="0"/>
-              <a:t> </a:t>
-            </a:r>
-            <a:r>
-              <a:rPr lang="nl-BE" dirty="0" err="1"/>
-              <a:t>you</a:t>
-            </a:r>
-            <a:r>
-              <a:rPr lang="nl-BE" dirty="0"/>
-              <a:t> </a:t>
-            </a:r>
-            <a:r>
-              <a:rPr lang="nl-BE" dirty="0" err="1"/>
-              <a:t>can</a:t>
-            </a:r>
-            <a:r>
-              <a:rPr lang="nl-BE" dirty="0"/>
-              <a:t> sync </a:t>
-            </a:r>
-            <a:r>
-              <a:rPr lang="nl-BE" dirty="0" err="1"/>
-              <a:t>the</a:t>
-            </a:r>
-            <a:r>
-              <a:rPr lang="nl-BE" dirty="0"/>
-              <a:t> </a:t>
-            </a:r>
-            <a:r>
-              <a:rPr lang="nl-BE" dirty="0" err="1"/>
-              <a:t>versions</a:t>
-            </a:r>
-            <a:r>
-              <a:rPr lang="nl-BE" dirty="0"/>
-              <a:t> </a:t>
-            </a:r>
-            <a:r>
-              <a:rPr lang="nl-BE" dirty="0" err="1"/>
-              <a:t>automatically</a:t>
-            </a:r>
-            <a:r>
-              <a:rPr lang="nl-BE" dirty="0"/>
-              <a:t>.</a:t>
+              <a:t> C:\Eclipse</a:t>
+            </a:r>
+          </a:p>
+          <a:p>
+            <a:r>
+              <a:rPr lang="nl-BE" dirty="0"/>
+              <a:t>Make a </a:t>
+            </a:r>
+            <a:r>
+              <a:rPr lang="nl-BE" dirty="0" err="1"/>
+              <a:t>shortcut</a:t>
+            </a:r>
+            <a:r>
+              <a:rPr lang="nl-BE" dirty="0"/>
+              <a:t> of LuaDevelopmentTools.exe</a:t>
+            </a:r>
+            <a:br>
+              <a:rPr lang="nl-BE" dirty="0"/>
+            </a:br>
+            <a:r>
+              <a:rPr lang="nl-BE" dirty="0" err="1"/>
+              <a:t>to</a:t>
+            </a:r>
+            <a:r>
+              <a:rPr lang="nl-BE" dirty="0"/>
+              <a:t> </a:t>
+            </a:r>
+            <a:r>
+              <a:rPr lang="nl-BE" dirty="0" err="1"/>
+              <a:t>your</a:t>
+            </a:r>
+            <a:r>
+              <a:rPr lang="nl-BE" dirty="0"/>
+              <a:t> </a:t>
+            </a:r>
+            <a:r>
+              <a:rPr lang="nl-BE" dirty="0" err="1"/>
+              <a:t>taskbar</a:t>
+            </a:r>
+            <a:r>
+              <a:rPr lang="nl-BE" dirty="0"/>
+              <a:t> </a:t>
+            </a:r>
+            <a:r>
+              <a:rPr lang="nl-BE" dirty="0" err="1"/>
+              <a:t>and</a:t>
+            </a:r>
+            <a:r>
+              <a:rPr lang="nl-BE" dirty="0"/>
+              <a:t> start menu.</a:t>
+            </a:r>
+          </a:p>
+        </p:txBody>
+      </p:sp>
+      <p:sp>
+        <p:nvSpPr>
+          <p:cNvPr id="4" name="Tekstvak 3"/>
+          <p:cNvSpPr txBox="1"/>
+          <p:nvPr/>
+        </p:nvSpPr>
+        <p:spPr>
+          <a:xfrm>
+            <a:off x="9022702" y="3482009"/>
+            <a:ext cx="2516010" cy="2954655"/>
+          </a:xfrm>
+          <a:prstGeom prst="rect">
+            <a:avLst/>
+          </a:prstGeom>
+          <a:noFill/>
+        </p:spPr>
+        <p:txBody>
+          <a:bodyPr wrap="none" rtlCol="0">
+            <a:spAutoFit/>
+          </a:bodyPr>
+          <a:lstStyle/>
+          <a:p>
+            <a:r>
+              <a:rPr lang="nl-BE" dirty="0"/>
+              <a:t>Features:</a:t>
+            </a:r>
+          </a:p>
+          <a:p>
+            <a:pPr marL="628650" lvl="1" indent="-171450">
+              <a:buFont typeface="Arial" panose="020B0604020202020204" pitchFamily="34" charset="0"/>
+              <a:buChar char="•"/>
+            </a:pPr>
+            <a:r>
+              <a:rPr lang="nl-BE" sz="1200" dirty="0"/>
+              <a:t>    </a:t>
+            </a:r>
+            <a:r>
+              <a:rPr lang="nl-BE" sz="1600" dirty="0"/>
+              <a:t>Code Assistance</a:t>
+            </a:r>
+          </a:p>
+          <a:p>
+            <a:pPr marL="628650" lvl="1" indent="-171450">
+              <a:buFont typeface="Arial" panose="020B0604020202020204" pitchFamily="34" charset="0"/>
+              <a:buChar char="•"/>
+            </a:pPr>
+            <a:r>
+              <a:rPr lang="nl-BE" sz="1600" dirty="0"/>
+              <a:t>    Code Templating</a:t>
+            </a:r>
+          </a:p>
+          <a:p>
+            <a:pPr marL="628650" lvl="1" indent="-171450">
+              <a:buFont typeface="Arial" panose="020B0604020202020204" pitchFamily="34" charset="0"/>
+              <a:buChar char="•"/>
+            </a:pPr>
+            <a:r>
+              <a:rPr lang="nl-BE" sz="1600" dirty="0"/>
+              <a:t>    Syntax </a:t>
+            </a:r>
+            <a:r>
+              <a:rPr lang="nl-BE" sz="1600" dirty="0" err="1"/>
+              <a:t>Coloring</a:t>
+            </a:r>
+            <a:endParaRPr lang="nl-BE" sz="1600" dirty="0"/>
+          </a:p>
+          <a:p>
+            <a:pPr marL="628650" lvl="1" indent="-171450">
+              <a:buFont typeface="Arial" panose="020B0604020202020204" pitchFamily="34" charset="0"/>
+              <a:buChar char="•"/>
+            </a:pPr>
+            <a:r>
+              <a:rPr lang="nl-BE" sz="1600" dirty="0"/>
+              <a:t>    Error Markers</a:t>
+            </a:r>
+          </a:p>
+          <a:p>
+            <a:pPr marL="628650" lvl="1" indent="-171450">
+              <a:buFont typeface="Arial" panose="020B0604020202020204" pitchFamily="34" charset="0"/>
+              <a:buChar char="•"/>
+            </a:pPr>
+            <a:r>
+              <a:rPr lang="nl-BE" sz="1600" dirty="0"/>
+              <a:t>    </a:t>
+            </a:r>
+            <a:r>
+              <a:rPr lang="nl-BE" sz="1600" dirty="0" err="1"/>
+              <a:t>Outline</a:t>
+            </a:r>
+            <a:endParaRPr lang="nl-BE" sz="1600" dirty="0"/>
+          </a:p>
+          <a:p>
+            <a:pPr marL="628650" lvl="1" indent="-171450">
+              <a:buFont typeface="Arial" panose="020B0604020202020204" pitchFamily="34" charset="0"/>
+              <a:buChar char="•"/>
+            </a:pPr>
+            <a:r>
+              <a:rPr lang="nl-BE" sz="1600" dirty="0"/>
+              <a:t>    </a:t>
+            </a:r>
+            <a:r>
+              <a:rPr lang="nl-BE" sz="1600" dirty="0" err="1"/>
+              <a:t>Variable</a:t>
+            </a:r>
+            <a:r>
+              <a:rPr lang="nl-BE" sz="1600" dirty="0"/>
+              <a:t> Highlight</a:t>
+            </a:r>
+          </a:p>
+          <a:p>
+            <a:pPr marL="628650" lvl="1" indent="-171450">
+              <a:buFont typeface="Arial" panose="020B0604020202020204" pitchFamily="34" charset="0"/>
+              <a:buChar char="•"/>
+            </a:pPr>
+            <a:r>
+              <a:rPr lang="nl-BE" sz="1600" dirty="0"/>
+              <a:t>    Code </a:t>
+            </a:r>
+            <a:r>
+              <a:rPr lang="nl-BE" sz="1600" dirty="0" err="1"/>
+              <a:t>Formatter</a:t>
+            </a:r>
+            <a:endParaRPr lang="nl-BE" sz="1600" dirty="0"/>
+          </a:p>
+          <a:p>
+            <a:pPr marL="628650" lvl="1" indent="-171450">
+              <a:buFont typeface="Arial" panose="020B0604020202020204" pitchFamily="34" charset="0"/>
+              <a:buChar char="•"/>
+            </a:pPr>
+            <a:r>
+              <a:rPr lang="nl-BE" sz="1600" dirty="0"/>
+              <a:t>    Code </a:t>
+            </a:r>
+            <a:r>
+              <a:rPr lang="nl-BE" sz="1600" dirty="0" err="1"/>
+              <a:t>Folding</a:t>
+            </a:r>
+            <a:endParaRPr lang="nl-BE" sz="1600" dirty="0"/>
+          </a:p>
+          <a:p>
+            <a:pPr marL="628650" lvl="1" indent="-171450">
+              <a:buFont typeface="Arial" panose="020B0604020202020204" pitchFamily="34" charset="0"/>
+              <a:buChar char="•"/>
+            </a:pPr>
+            <a:r>
+              <a:rPr lang="nl-BE" sz="1600" dirty="0"/>
+              <a:t>    </a:t>
+            </a:r>
+            <a:r>
+              <a:rPr lang="nl-BE" sz="1600" dirty="0" err="1"/>
+              <a:t>Goto</a:t>
+            </a:r>
+            <a:r>
+              <a:rPr lang="nl-BE" sz="1600" dirty="0"/>
+              <a:t> Definition</a:t>
             </a:r>
           </a:p>
           <a:p>
@@ -4900,7 +6948,7 @@
     </p:spTree>
     <p:extLst>
       <p:ext uri="{BB962C8B-B14F-4D97-AF65-F5344CB8AC3E}">
-        <p14:creationId xmlns:p14="http://schemas.microsoft.com/office/powerpoint/2010/main" val="325180483"/>
+        <p14:creationId xmlns:p14="http://schemas.microsoft.com/office/powerpoint/2010/main" val="2916443249"/>
       </p:ext>
     </p:extLst>
   </p:cSld>
@@ -4944,13 +6992,8 @@
           <a:p>
             <a:r>
               <a:rPr lang="nl-BE" dirty="0"/>
-              <a:t>5. </a:t>
-            </a:r>
-            <a:r>
-              <a:rPr lang="nl-BE" dirty="0" err="1"/>
-              <a:t>GoodSync</a:t>
-            </a:r>
-            <a:endParaRPr lang="nl-BE" dirty="0"/>
+              <a:t>3. Logexpert</a:t>
+            </a:r>
           </a:p>
         </p:txBody>
       </p:sp>
@@ -4974,6 +7017,518 @@
             </a:pPr>
             <a:r>
               <a:rPr lang="nl-BE" b="1" dirty="0" err="1"/>
+              <a:t>LogExpert</a:t>
+            </a:r>
+            <a:r>
+              <a:rPr lang="nl-BE" b="1" dirty="0"/>
+              <a:t>: </a:t>
+            </a:r>
+          </a:p>
+          <a:p>
+            <a:pPr lvl="1"/>
+            <a:r>
+              <a:rPr lang="nl-BE" dirty="0" err="1"/>
+              <a:t>Trailing</a:t>
+            </a:r>
+            <a:r>
+              <a:rPr lang="nl-BE" dirty="0"/>
+              <a:t> of </a:t>
+            </a:r>
+            <a:r>
+              <a:rPr lang="nl-BE" dirty="0" err="1"/>
+              <a:t>logging</a:t>
+            </a:r>
+            <a:r>
+              <a:rPr lang="nl-BE" dirty="0"/>
+              <a:t> files.</a:t>
+            </a:r>
+          </a:p>
+          <a:p>
+            <a:pPr lvl="1"/>
+            <a:r>
+              <a:rPr lang="nl-BE" dirty="0" err="1"/>
+              <a:t>Main</a:t>
+            </a:r>
+            <a:r>
+              <a:rPr lang="nl-BE" dirty="0"/>
+              <a:t> site: http://logexpert.codeplex.com/</a:t>
+            </a:r>
+          </a:p>
+          <a:p>
+            <a:pPr lvl="1"/>
+            <a:r>
+              <a:rPr lang="nl-BE" dirty="0"/>
+              <a:t>Download: </a:t>
+            </a:r>
+            <a:r>
+              <a:rPr lang="nl-BE" dirty="0">
+                <a:hlinkClick r:id="rId2"/>
+              </a:rPr>
+              <a:t>http://logexpert.codeplex.com/releases/view/610775</a:t>
+            </a:r>
+            <a:endParaRPr lang="nl-BE" dirty="0"/>
+          </a:p>
+          <a:p>
+            <a:r>
+              <a:rPr lang="nl-BE" dirty="0"/>
+              <a:t>Installation</a:t>
+            </a:r>
+          </a:p>
+          <a:p>
+            <a:pPr lvl="1"/>
+            <a:r>
+              <a:rPr lang="nl-BE" dirty="0"/>
+              <a:t>Unzip </a:t>
+            </a:r>
+            <a:r>
+              <a:rPr lang="nl-BE" dirty="0" err="1"/>
+              <a:t>the</a:t>
+            </a:r>
+            <a:r>
+              <a:rPr lang="nl-BE" dirty="0"/>
+              <a:t> </a:t>
+            </a:r>
+            <a:r>
+              <a:rPr lang="nl-BE" dirty="0" err="1"/>
+              <a:t>archive</a:t>
+            </a:r>
+            <a:r>
+              <a:rPr lang="nl-BE" dirty="0"/>
+              <a:t> </a:t>
+            </a:r>
+            <a:r>
+              <a:rPr lang="nl-BE" dirty="0" err="1"/>
+              <a:t>completely</a:t>
+            </a:r>
+            <a:r>
+              <a:rPr lang="nl-BE" dirty="0"/>
+              <a:t>.</a:t>
+            </a:r>
+          </a:p>
+          <a:p>
+            <a:pPr lvl="1"/>
+            <a:r>
+              <a:rPr lang="nl-BE" dirty="0"/>
+              <a:t>Copy </a:t>
+            </a:r>
+            <a:r>
+              <a:rPr lang="nl-BE" dirty="0" err="1"/>
+              <a:t>the</a:t>
+            </a:r>
+            <a:r>
+              <a:rPr lang="nl-BE" dirty="0"/>
+              <a:t> </a:t>
+            </a:r>
+            <a:r>
+              <a:rPr lang="nl-BE" dirty="0" err="1"/>
+              <a:t>archive</a:t>
+            </a:r>
+            <a:r>
+              <a:rPr lang="nl-BE" dirty="0"/>
+              <a:t> contents </a:t>
+            </a:r>
+            <a:r>
+              <a:rPr lang="nl-BE" dirty="0" err="1"/>
+              <a:t>to</a:t>
+            </a:r>
+            <a:r>
+              <a:rPr lang="nl-BE" dirty="0"/>
+              <a:t> C:\LogExpert</a:t>
+            </a:r>
+          </a:p>
+          <a:p>
+            <a:pPr lvl="1"/>
+            <a:r>
+              <a:rPr lang="nl-BE" dirty="0"/>
+              <a:t>Make shortcuts of logexpert.exe </a:t>
+            </a:r>
+            <a:r>
+              <a:rPr lang="nl-BE" dirty="0" err="1"/>
+              <a:t>to</a:t>
+            </a:r>
+            <a:r>
+              <a:rPr lang="nl-BE" dirty="0"/>
+              <a:t> start menu </a:t>
+            </a:r>
+            <a:r>
+              <a:rPr lang="nl-BE" dirty="0" err="1"/>
+              <a:t>and</a:t>
+            </a:r>
+            <a:r>
+              <a:rPr lang="nl-BE" dirty="0"/>
+              <a:t> </a:t>
+            </a:r>
+            <a:r>
+              <a:rPr lang="nl-BE" dirty="0" err="1"/>
+              <a:t>taskbar</a:t>
+            </a:r>
+            <a:r>
+              <a:rPr lang="nl-BE" dirty="0"/>
+              <a:t>.</a:t>
+            </a:r>
+          </a:p>
+        </p:txBody>
+      </p:sp>
+    </p:spTree>
+    <p:extLst>
+      <p:ext uri="{BB962C8B-B14F-4D97-AF65-F5344CB8AC3E}">
+        <p14:creationId xmlns:p14="http://schemas.microsoft.com/office/powerpoint/2010/main" val="3835221672"/>
+      </p:ext>
+    </p:extLst>
+  </p:cSld>
+  <p:clrMapOvr>
+    <a:masterClrMapping/>
+  </p:clrMapOvr>
+</p:sld>
+</file>
+
+<file path=ppt/slides/slide8.xml><?xml version="1.0" encoding="utf-8"?>
+<p:sld xmlns:a="http://schemas.openxmlformats.org/drawingml/2006/main" xmlns:r="http://schemas.openxmlformats.org/officeDocument/2006/relationships" xmlns:p="http://schemas.openxmlformats.org/presentationml/2006/main">
+  <p:cSld>
+    <p:spTree>
+      <p:nvGrpSpPr>
+        <p:cNvPr id="1" name=""/>
+        <p:cNvGrpSpPr/>
+        <p:nvPr/>
+      </p:nvGrpSpPr>
+      <p:grpSpPr>
+        <a:xfrm>
+          <a:off x="0" y="0"/>
+          <a:ext cx="0" cy="0"/>
+          <a:chOff x="0" y="0"/>
+          <a:chExt cx="0" cy="0"/>
+        </a:xfrm>
+      </p:grpSpPr>
+      <p:sp>
+        <p:nvSpPr>
+          <p:cNvPr id="2" name="Titel 1"/>
+          <p:cNvSpPr>
+            <a:spLocks noGrp="1"/>
+          </p:cNvSpPr>
+          <p:nvPr>
+            <p:ph type="title"/>
+          </p:nvPr>
+        </p:nvSpPr>
+        <p:spPr/>
+        <p:txBody>
+          <a:bodyPr/>
+          <a:lstStyle/>
+          <a:p>
+            <a:r>
+              <a:rPr lang="nl-BE" dirty="0"/>
+              <a:t>4. GitHub</a:t>
+            </a:r>
+          </a:p>
+        </p:txBody>
+      </p:sp>
+      <p:sp>
+        <p:nvSpPr>
+          <p:cNvPr id="3" name="Tijdelijke aanduiding voor inhoud 2"/>
+          <p:cNvSpPr>
+            <a:spLocks noGrp="1"/>
+          </p:cNvSpPr>
+          <p:nvPr>
+            <p:ph idx="1"/>
+          </p:nvPr>
+        </p:nvSpPr>
+        <p:spPr/>
+        <p:txBody>
+          <a:bodyPr/>
+          <a:lstStyle/>
+          <a:p>
+            <a:pPr marL="0" indent="0">
+              <a:buNone/>
+            </a:pPr>
+            <a:r>
+              <a:rPr lang="nl-BE" b="1" dirty="0"/>
+              <a:t>GitHub</a:t>
+            </a:r>
+          </a:p>
+          <a:p>
+            <a:pPr lvl="1"/>
+            <a:r>
+              <a:rPr lang="nl-BE" dirty="0" err="1"/>
+              <a:t>Used</a:t>
+            </a:r>
+            <a:r>
+              <a:rPr lang="nl-BE" dirty="0"/>
+              <a:t> </a:t>
+            </a:r>
+            <a:r>
+              <a:rPr lang="nl-BE" dirty="0" err="1"/>
+              <a:t>for</a:t>
+            </a:r>
+            <a:r>
+              <a:rPr lang="nl-BE" dirty="0"/>
+              <a:t> source </a:t>
+            </a:r>
+            <a:r>
+              <a:rPr lang="nl-BE" dirty="0" err="1"/>
+              <a:t>version</a:t>
+            </a:r>
+            <a:r>
+              <a:rPr lang="nl-BE" dirty="0"/>
+              <a:t> control, </a:t>
+            </a:r>
+            <a:r>
+              <a:rPr lang="nl-BE" dirty="0" err="1"/>
+              <a:t>collaborative</a:t>
+            </a:r>
+            <a:r>
+              <a:rPr lang="nl-BE" dirty="0"/>
+              <a:t> development </a:t>
+            </a:r>
+            <a:r>
+              <a:rPr lang="nl-BE" dirty="0" err="1"/>
+              <a:t>and</a:t>
+            </a:r>
+            <a:r>
+              <a:rPr lang="nl-BE" dirty="0"/>
+              <a:t> code </a:t>
+            </a:r>
+            <a:r>
+              <a:rPr lang="nl-BE" dirty="0" err="1"/>
+              <a:t>sharing</a:t>
+            </a:r>
+            <a:r>
+              <a:rPr lang="nl-BE" dirty="0"/>
+              <a:t>.</a:t>
+            </a:r>
+          </a:p>
+          <a:p>
+            <a:pPr lvl="1"/>
+            <a:r>
+              <a:rPr lang="nl-BE" dirty="0"/>
+              <a:t>Download </a:t>
+            </a:r>
+            <a:r>
+              <a:rPr lang="nl-BE" dirty="0" err="1"/>
+              <a:t>the</a:t>
+            </a:r>
+            <a:r>
+              <a:rPr lang="nl-BE" dirty="0"/>
+              <a:t> GITHUB desktop </a:t>
+            </a:r>
+            <a:r>
+              <a:rPr lang="nl-BE" dirty="0" err="1"/>
+              <a:t>application</a:t>
+            </a:r>
+            <a:r>
+              <a:rPr lang="nl-BE" dirty="0"/>
+              <a:t>: </a:t>
+            </a:r>
+            <a:r>
+              <a:rPr lang="nl-BE" dirty="0">
+                <a:hlinkClick r:id="rId2"/>
+              </a:rPr>
+              <a:t>https://desktop.github.com/</a:t>
+            </a:r>
+            <a:endParaRPr lang="nl-BE" dirty="0"/>
+          </a:p>
+          <a:p>
+            <a:r>
+              <a:rPr lang="nl-BE" dirty="0" err="1"/>
+              <a:t>Install</a:t>
+            </a:r>
+            <a:r>
+              <a:rPr lang="nl-BE" dirty="0"/>
+              <a:t> </a:t>
+            </a:r>
+            <a:r>
+              <a:rPr lang="nl-BE" dirty="0" err="1"/>
+              <a:t>GibHub</a:t>
+            </a:r>
+            <a:r>
+              <a:rPr lang="nl-BE" dirty="0"/>
+              <a:t> Desktop.</a:t>
+            </a:r>
+          </a:p>
+          <a:p>
+            <a:r>
+              <a:rPr lang="nl-BE" dirty="0"/>
+              <a:t>Make a GitHub user-id.</a:t>
+            </a:r>
+          </a:p>
+          <a:p>
+            <a:r>
+              <a:rPr lang="nl-BE" dirty="0"/>
+              <a:t>Link </a:t>
+            </a:r>
+            <a:r>
+              <a:rPr lang="nl-BE" dirty="0" err="1"/>
+              <a:t>the</a:t>
+            </a:r>
+            <a:r>
+              <a:rPr lang="nl-BE" dirty="0"/>
+              <a:t> MOOSE </a:t>
+            </a:r>
+            <a:r>
+              <a:rPr lang="nl-BE" dirty="0" err="1"/>
+              <a:t>repository</a:t>
+            </a:r>
+            <a:r>
+              <a:rPr lang="nl-BE" dirty="0"/>
+              <a:t> </a:t>
+            </a:r>
+            <a:r>
+              <a:rPr lang="nl-BE" dirty="0" err="1"/>
+              <a:t>to</a:t>
+            </a:r>
+            <a:r>
+              <a:rPr lang="nl-BE" dirty="0"/>
+              <a:t> </a:t>
+            </a:r>
+            <a:r>
+              <a:rPr lang="nl-BE" dirty="0" err="1"/>
+              <a:t>the</a:t>
+            </a:r>
+            <a:r>
+              <a:rPr lang="nl-BE" dirty="0"/>
+              <a:t> GitHub desktop.</a:t>
+            </a:r>
+          </a:p>
+          <a:p>
+            <a:pPr lvl="1"/>
+            <a:r>
+              <a:rPr lang="nl-BE" dirty="0">
+                <a:hlinkClick r:id="rId3"/>
+              </a:rPr>
+              <a:t>http://flightcontrol-master.github.io/MOOSE/</a:t>
+            </a:r>
+            <a:endParaRPr lang="nl-BE" dirty="0"/>
+          </a:p>
+          <a:p>
+            <a:r>
+              <a:rPr lang="nl-BE" dirty="0" err="1"/>
+              <a:t>Now</a:t>
+            </a:r>
+            <a:r>
+              <a:rPr lang="nl-BE" dirty="0"/>
+              <a:t> </a:t>
+            </a:r>
+            <a:r>
+              <a:rPr lang="nl-BE" dirty="0" err="1"/>
+              <a:t>you</a:t>
+            </a:r>
+            <a:r>
+              <a:rPr lang="nl-BE" dirty="0"/>
+              <a:t> </a:t>
+            </a:r>
+            <a:r>
+              <a:rPr lang="nl-BE" dirty="0" err="1"/>
+              <a:t>can</a:t>
+            </a:r>
+            <a:r>
+              <a:rPr lang="nl-BE" dirty="0"/>
+              <a:t> sync </a:t>
+            </a:r>
+            <a:r>
+              <a:rPr lang="nl-BE" dirty="0" err="1"/>
+              <a:t>the</a:t>
+            </a:r>
+            <a:r>
+              <a:rPr lang="nl-BE" dirty="0"/>
+              <a:t> </a:t>
+            </a:r>
+            <a:r>
+              <a:rPr lang="nl-BE" dirty="0" err="1"/>
+              <a:t>versions</a:t>
+            </a:r>
+            <a:r>
+              <a:rPr lang="nl-BE" dirty="0"/>
+              <a:t> </a:t>
+            </a:r>
+            <a:r>
+              <a:rPr lang="nl-BE" dirty="0" err="1"/>
+              <a:t>automatically</a:t>
+            </a:r>
+            <a:r>
+              <a:rPr lang="nl-BE" dirty="0"/>
+              <a:t>.</a:t>
+            </a:r>
+          </a:p>
+          <a:p>
+            <a:endParaRPr lang="nl-BE" dirty="0"/>
+          </a:p>
+        </p:txBody>
+      </p:sp>
+    </p:spTree>
+    <p:extLst>
+      <p:ext uri="{BB962C8B-B14F-4D97-AF65-F5344CB8AC3E}">
+        <p14:creationId xmlns:p14="http://schemas.microsoft.com/office/powerpoint/2010/main" val="2642665011"/>
+      </p:ext>
+    </p:extLst>
+  </p:cSld>
+  <p:clrMapOvr>
+    <a:masterClrMapping/>
+  </p:clrMapOvr>
+</p:sld>
+</file>
+
+<file path=ppt/slides/slide9.xml><?xml version="1.0" encoding="utf-8"?>
+<p:sld xmlns:a="http://schemas.openxmlformats.org/drawingml/2006/main" xmlns:r="http://schemas.openxmlformats.org/officeDocument/2006/relationships" xmlns:p="http://schemas.openxmlformats.org/presentationml/2006/main">
+  <p:cSld>
+    <p:spTree>
+      <p:nvGrpSpPr>
+        <p:cNvPr id="1" name=""/>
+        <p:cNvGrpSpPr/>
+        <p:nvPr/>
+      </p:nvGrpSpPr>
+      <p:grpSpPr>
+        <a:xfrm>
+          <a:off x="0" y="0"/>
+          <a:ext cx="0" cy="0"/>
+          <a:chOff x="0" y="0"/>
+          <a:chExt cx="0" cy="0"/>
+        </a:xfrm>
+      </p:grpSpPr>
+      <p:sp>
+        <p:nvSpPr>
+          <p:cNvPr id="2" name="Titel 1"/>
+          <p:cNvSpPr>
+            <a:spLocks noGrp="1"/>
+          </p:cNvSpPr>
+          <p:nvPr>
+            <p:ph type="title"/>
+          </p:nvPr>
+        </p:nvSpPr>
+        <p:spPr/>
+        <p:txBody>
+          <a:bodyPr/>
+          <a:lstStyle/>
+          <a:p>
+            <a:r>
+              <a:rPr lang="nl-BE" dirty="0"/>
+              <a:t>5. </a:t>
+            </a:r>
+            <a:r>
+              <a:rPr lang="nl-BE" dirty="0" err="1"/>
+              <a:t>GoodSync</a:t>
+            </a:r>
+            <a:endParaRPr lang="nl-BE" dirty="0"/>
+          </a:p>
+        </p:txBody>
+      </p:sp>
+      <p:sp>
+        <p:nvSpPr>
+          <p:cNvPr id="3" name="Tijdelijke aanduiding voor inhoud 2"/>
+          <p:cNvSpPr>
+            <a:spLocks noGrp="1"/>
+          </p:cNvSpPr>
+          <p:nvPr>
+            <p:ph idx="1"/>
+          </p:nvPr>
+        </p:nvSpPr>
+        <p:spPr/>
+        <p:txBody>
+          <a:bodyPr/>
+          <a:lstStyle/>
+          <a:p>
+            <a:pPr marL="0" indent="0">
+              <a:buNone/>
+            </a:pPr>
+            <a:r>
+              <a:rPr lang="nl-BE" b="1" dirty="0" err="1"/>
               <a:t>GoodSync</a:t>
             </a:r>
             <a:endParaRPr lang="nl-BE" b="1" dirty="0"/>
@@ -5269,7 +7824,7 @@
     </p:spTree>
     <p:extLst>
       <p:ext uri="{BB962C8B-B14F-4D97-AF65-F5344CB8AC3E}">
-        <p14:creationId xmlns:p14="http://schemas.microsoft.com/office/powerpoint/2010/main" val="1961299105"/>
+        <p14:creationId xmlns:p14="http://schemas.microsoft.com/office/powerpoint/2010/main" val="2466762487"/>
       </p:ext>
     </p:extLst>
   </p:cSld>
@@ -5282,7 +7837,7 @@
 <file path=ppt/theme/theme1.xml><?xml version="1.0" encoding="utf-8"?>
 <a:theme xmlns:a="http://schemas.openxmlformats.org/drawingml/2006/main" name="Gestreept">
   <a:themeElements>
-    <a:clrScheme name="Banded">
+    <a:clrScheme name="DCS">
       <a:dk1>
         <a:srgbClr val="2C2C2C"/>
       </a:dk1>
@@ -5296,7 +7851,7 @@
         <a:srgbClr val="F2F2F2"/>
       </a:lt2>
       <a:accent1>
-        <a:srgbClr val="FFC000"/>
+        <a:srgbClr val="004274"/>
       </a:accent1>
       <a:accent2>
         <a:srgbClr val="A5D028"/>
@@ -5531,7 +8086,85 @@
       </a:bgFillStyleLst>
     </a:fmtScheme>
   </a:themeElements>
-  <a:objectDefaults/>
+  <a:objectDefaults>
+    <a:spDef>
+      <a:spPr>
+        <a:ln w="28575"/>
+      </a:spPr>
+      <a:bodyPr rtlCol="0" anchor="ctr"/>
+      <a:lstStyle>
+        <a:defPPr algn="ctr">
+          <a:defRPr/>
+        </a:defPPr>
+      </a:lstStyle>
+      <a:style>
+        <a:lnRef idx="2">
+          <a:schemeClr val="accent1"/>
+        </a:lnRef>
+        <a:fillRef idx="1">
+          <a:schemeClr val="lt1"/>
+        </a:fillRef>
+        <a:effectRef idx="0">
+          <a:schemeClr val="accent1"/>
+        </a:effectRef>
+        <a:fontRef idx="minor">
+          <a:schemeClr val="dk1"/>
+        </a:fontRef>
+      </a:style>
+    </a:spDef>
+    <a:lnDef>
+      <a:spPr>
+        <a:ln w="28575"/>
+      </a:spPr>
+      <a:bodyPr/>
+      <a:lstStyle/>
+      <a:style>
+        <a:lnRef idx="1">
+          <a:schemeClr val="accent1"/>
+        </a:lnRef>
+        <a:fillRef idx="0">
+          <a:schemeClr val="accent1"/>
+        </a:fillRef>
+        <a:effectRef idx="0">
+          <a:schemeClr val="accent1"/>
+        </a:effectRef>
+        <a:fontRef idx="minor">
+          <a:schemeClr val="tx1"/>
+        </a:fontRef>
+      </a:style>
+    </a:lnDef>
+    <a:txDef>
+      <a:spPr>
+        <a:ln w="28575"/>
+      </a:spPr>
+      <a:bodyPr wrap="square" rtlCol="0">
+        <a:noAutofit/>
+      </a:bodyPr>
+      <a:lstStyle>
+        <a:defPPr algn="ctr">
+          <a:defRPr dirty="0" smtClean="0">
+            <a:solidFill>
+              <a:schemeClr val="bg1"/>
+            </a:solidFill>
+          </a:defRPr>
+        </a:defPPr>
+      </a:lstStyle>
+      <a:style>
+        <a:lnRef idx="2">
+          <a:schemeClr val="accent1"/>
+        </a:lnRef>
+        <a:fillRef idx="1">
+          <a:schemeClr val="lt1"/>
+        </a:fillRef>
+        <a:effectRef idx="0">
+          <a:schemeClr val="accent1"/>
+        </a:effectRef>
+        <a:fontRef idx="minor">
+          <a:schemeClr val="dk1"/>
+        </a:fontRef>
+      </a:style>
+    </a:txDef>
+  </a:objectDefaults>
   <a:extraClrSchemeLst/>
   <a:extLst>
     <a:ext uri="{05A4C25C-085E-4340-85A3-A5531E510DB2}">
